--- a/4-1 Cytoskeletal dynamics/Slide_MYJ_20180411.pptx
+++ b/4-1 Cytoskeletal dynamics/Slide_MYJ_20180411.pptx
@@ -1,8 +1,8 @@
 
 <file path=ppt/presentation.xml><?xml version="1.0" encoding="utf-8"?>
-<p:presentation xmlns:a="http://schemas.openxmlformats.org/drawingml/2006/main" xmlns:p="http://schemas.openxmlformats.org/presentationml/2006/main" xmlns:r="http://schemas.openxmlformats.org/officeDocument/2006/relationships" xmlns:p14="http://schemas.microsoft.com/office/powerpoint/2010/main" xmlns:p15="http://schemas.microsoft.com/office/powerpoint/2012/main" xmlns:mc="http://schemas.openxmlformats.org/markup-compatibility/2006">
+<p:presentation xmlns:a="http://schemas.openxmlformats.org/drawingml/2006/main" xmlns:r="http://schemas.openxmlformats.org/officeDocument/2006/relationships" xmlns:p="http://schemas.openxmlformats.org/presentationml/2006/main">
   <p:sldMasterIdLst>
-    <p:sldMasterId id="2147483648" r:id="rId2"/>
+    <p:sldMasterId id="2147483648" r:id="rId1"/>
   </p:sldMasterIdLst>
   <p:sldIdLst>
     <p:sldId id="256" r:id="rId3"/>
@@ -13,11 +13,103 @@
   </p:sldIdLst>
   <p:sldSz cx="10080625" cy="7559675"/>
   <p:notesSz cx="7772400" cy="10058400"/>
+  <p:defaultTextStyle>
+    <a:lvl1pPr marL="0" algn="l" defTabSz="914400" rtl="0" eaLnBrk="1" latinLnBrk="0" hangingPunct="1">
+      <a:defRPr sz="1800" kern="1200">
+        <a:solidFill>
+          <a:schemeClr val="tx1"/>
+        </a:solidFill>
+        <a:latin typeface="+mn-lt"/>
+        <a:ea typeface="+mn-ea"/>
+        <a:cs typeface="+mn-cs"/>
+      </a:defRPr>
+    </a:lvl1pPr>
+    <a:lvl2pPr marL="457200" algn="l" defTabSz="914400" rtl="0" eaLnBrk="1" latinLnBrk="0" hangingPunct="1">
+      <a:defRPr sz="1800" kern="1200">
+        <a:solidFill>
+          <a:schemeClr val="tx1"/>
+        </a:solidFill>
+        <a:latin typeface="+mn-lt"/>
+        <a:ea typeface="+mn-ea"/>
+        <a:cs typeface="+mn-cs"/>
+      </a:defRPr>
+    </a:lvl2pPr>
+    <a:lvl3pPr marL="914400" algn="l" defTabSz="914400" rtl="0" eaLnBrk="1" latinLnBrk="0" hangingPunct="1">
+      <a:defRPr sz="1800" kern="1200">
+        <a:solidFill>
+          <a:schemeClr val="tx1"/>
+        </a:solidFill>
+        <a:latin typeface="+mn-lt"/>
+        <a:ea typeface="+mn-ea"/>
+        <a:cs typeface="+mn-cs"/>
+      </a:defRPr>
+    </a:lvl3pPr>
+    <a:lvl4pPr marL="1371600" algn="l" defTabSz="914400" rtl="0" eaLnBrk="1" latinLnBrk="0" hangingPunct="1">
+      <a:defRPr sz="1800" kern="1200">
+        <a:solidFill>
+          <a:schemeClr val="tx1"/>
+        </a:solidFill>
+        <a:latin typeface="+mn-lt"/>
+        <a:ea typeface="+mn-ea"/>
+        <a:cs typeface="+mn-cs"/>
+      </a:defRPr>
+    </a:lvl4pPr>
+    <a:lvl5pPr marL="1828800" algn="l" defTabSz="914400" rtl="0" eaLnBrk="1" latinLnBrk="0" hangingPunct="1">
+      <a:defRPr sz="1800" kern="1200">
+        <a:solidFill>
+          <a:schemeClr val="tx1"/>
+        </a:solidFill>
+        <a:latin typeface="+mn-lt"/>
+        <a:ea typeface="+mn-ea"/>
+        <a:cs typeface="+mn-cs"/>
+      </a:defRPr>
+    </a:lvl5pPr>
+    <a:lvl6pPr marL="2286000" algn="l" defTabSz="914400" rtl="0" eaLnBrk="1" latinLnBrk="0" hangingPunct="1">
+      <a:defRPr sz="1800" kern="1200">
+        <a:solidFill>
+          <a:schemeClr val="tx1"/>
+        </a:solidFill>
+        <a:latin typeface="+mn-lt"/>
+        <a:ea typeface="+mn-ea"/>
+        <a:cs typeface="+mn-cs"/>
+      </a:defRPr>
+    </a:lvl6pPr>
+    <a:lvl7pPr marL="2743200" algn="l" defTabSz="914400" rtl="0" eaLnBrk="1" latinLnBrk="0" hangingPunct="1">
+      <a:defRPr sz="1800" kern="1200">
+        <a:solidFill>
+          <a:schemeClr val="tx1"/>
+        </a:solidFill>
+        <a:latin typeface="+mn-lt"/>
+        <a:ea typeface="+mn-ea"/>
+        <a:cs typeface="+mn-cs"/>
+      </a:defRPr>
+    </a:lvl7pPr>
+    <a:lvl8pPr marL="3200400" algn="l" defTabSz="914400" rtl="0" eaLnBrk="1" latinLnBrk="0" hangingPunct="1">
+      <a:defRPr sz="1800" kern="1200">
+        <a:solidFill>
+          <a:schemeClr val="tx1"/>
+        </a:solidFill>
+        <a:latin typeface="+mn-lt"/>
+        <a:ea typeface="+mn-ea"/>
+        <a:cs typeface="+mn-cs"/>
+      </a:defRPr>
+    </a:lvl8pPr>
+    <a:lvl9pPr marL="3657600" algn="l" defTabSz="914400" rtl="0" eaLnBrk="1" latinLnBrk="0" hangingPunct="1">
+      <a:defRPr sz="1800" kern="1200">
+        <a:solidFill>
+          <a:schemeClr val="tx1"/>
+        </a:solidFill>
+        <a:latin typeface="+mn-lt"/>
+        <a:ea typeface="+mn-ea"/>
+        <a:cs typeface="+mn-cs"/>
+      </a:defRPr>
+    </a:lvl9pPr>
+  </p:defaultTextStyle>
 </p:presentation>
 </file>
 
 <file path=ppt/slideLayouts/slideLayout1.xml><?xml version="1.0" encoding="utf-8"?>
-<p:sldLayout xmlns:a="http://schemas.openxmlformats.org/drawingml/2006/main" xmlns:p="http://schemas.openxmlformats.org/presentationml/2006/main" xmlns:r="http://schemas.openxmlformats.org/officeDocument/2006/relationships" xmlns:p14="http://schemas.microsoft.com/office/powerpoint/2010/main" xmlns:p15="http://schemas.microsoft.com/office/powerpoint/2012/main" xmlns:mc="http://schemas.openxmlformats.org/markup-compatibility/2006" type="blank" preserve="1">
+<p:sldLayout xmlns:a="http://schemas.openxmlformats.org/drawingml/2006/main" xmlns:r="http://schemas.openxmlformats.org/officeDocument/2006/relationships" xmlns:p="http://schemas.openxmlformats.org/presentationml/2006/main" type="blank" preserve="1">
   <p:cSld name="Blank Slide">
     <p:spTree>
       <p:nvGrpSpPr>
@@ -35,11 +127,14 @@
       </p:grpSpPr>
     </p:spTree>
   </p:cSld>
+  <p:clrMapOvr>
+    <a:masterClrMapping/>
+  </p:clrMapOvr>
 </p:sldLayout>
 </file>
 
 <file path=ppt/slideLayouts/slideLayout10.xml><?xml version="1.0" encoding="utf-8"?>
-<p:sldLayout xmlns:a="http://schemas.openxmlformats.org/drawingml/2006/main" xmlns:p="http://schemas.openxmlformats.org/presentationml/2006/main" xmlns:r="http://schemas.openxmlformats.org/officeDocument/2006/relationships" xmlns:p14="http://schemas.microsoft.com/office/powerpoint/2010/main" xmlns:p15="http://schemas.microsoft.com/office/powerpoint/2012/main" xmlns:mc="http://schemas.openxmlformats.org/markup-compatibility/2006" type="objOverTx" preserve="1">
+<p:sldLayout xmlns:a="http://schemas.openxmlformats.org/drawingml/2006/main" xmlns:r="http://schemas.openxmlformats.org/officeDocument/2006/relationships" xmlns:p="http://schemas.openxmlformats.org/presentationml/2006/main" type="objOverTx" preserve="1">
   <p:cSld name="Title, Content over Content">
     <p:spTree>
       <p:nvGrpSpPr>
@@ -75,10 +170,10 @@
           </a:prstGeom>
         </p:spPr>
         <p:txBody>
-          <a:bodyPr lIns="0" rIns="0" tIns="0" bIns="0" anchor="ctr"/>
+          <a:bodyPr lIns="0" tIns="0" rIns="0" bIns="0" anchor="ctr"/>
           <a:p>
             <a:pPr algn="ctr"/>
-            <a:endParaRPr b="0" lang="en-US" sz="5870" spc="-1" strike="noStrike">
+            <a:endParaRPr lang="en-US" sz="5870" b="0" strike="noStrike" spc="-1">
               <a:latin typeface="DejaVu Sans"/>
             </a:endParaRPr>
           </a:p>
@@ -104,11 +199,11 @@
           </a:prstGeom>
         </p:spPr>
         <p:txBody>
-          <a:bodyPr lIns="0" rIns="0" tIns="0" bIns="0">
-            <a:normAutofit/>
-          </a:bodyPr>
-          <a:p>
-            <a:endParaRPr b="0" lang="en-US" sz="4270" spc="-1" strike="noStrike">
+          <a:bodyPr lIns="0" tIns="0" rIns="0" bIns="0">
+            <a:normAutofit/>
+          </a:bodyPr>
+          <a:p>
+            <a:endParaRPr lang="en-US" sz="4270" b="0" strike="noStrike" spc="-1">
               <a:latin typeface="DejaVu Sans"/>
             </a:endParaRPr>
           </a:p>
@@ -134,11 +229,11 @@
           </a:prstGeom>
         </p:spPr>
         <p:txBody>
-          <a:bodyPr lIns="0" rIns="0" tIns="0" bIns="0">
-            <a:normAutofit/>
-          </a:bodyPr>
-          <a:p>
-            <a:endParaRPr b="0" lang="en-US" sz="4270" spc="-1" strike="noStrike">
+          <a:bodyPr lIns="0" tIns="0" rIns="0" bIns="0">
+            <a:normAutofit/>
+          </a:bodyPr>
+          <a:p>
+            <a:endParaRPr lang="en-US" sz="4270" b="0" strike="noStrike" spc="-1">
               <a:latin typeface="DejaVu Sans"/>
             </a:endParaRPr>
           </a:p>
@@ -146,11 +241,14 @@
       </p:sp>
     </p:spTree>
   </p:cSld>
+  <p:clrMapOvr>
+    <a:masterClrMapping/>
+  </p:clrMapOvr>
 </p:sldLayout>
 </file>
 
 <file path=ppt/slideLayouts/slideLayout11.xml><?xml version="1.0" encoding="utf-8"?>
-<p:sldLayout xmlns:a="http://schemas.openxmlformats.org/drawingml/2006/main" xmlns:p="http://schemas.openxmlformats.org/presentationml/2006/main" xmlns:r="http://schemas.openxmlformats.org/officeDocument/2006/relationships" xmlns:p14="http://schemas.microsoft.com/office/powerpoint/2010/main" xmlns:p15="http://schemas.microsoft.com/office/powerpoint/2012/main" xmlns:mc="http://schemas.openxmlformats.org/markup-compatibility/2006" type="fourObj" preserve="1">
+<p:sldLayout xmlns:a="http://schemas.openxmlformats.org/drawingml/2006/main" xmlns:r="http://schemas.openxmlformats.org/officeDocument/2006/relationships" xmlns:p="http://schemas.openxmlformats.org/presentationml/2006/main" type="fourObj" preserve="1">
   <p:cSld name="Title, 4 Content">
     <p:spTree>
       <p:nvGrpSpPr>
@@ -186,10 +284,10 @@
           </a:prstGeom>
         </p:spPr>
         <p:txBody>
-          <a:bodyPr lIns="0" rIns="0" tIns="0" bIns="0" anchor="ctr"/>
+          <a:bodyPr lIns="0" tIns="0" rIns="0" bIns="0" anchor="ctr"/>
           <a:p>
             <a:pPr algn="ctr"/>
-            <a:endParaRPr b="0" lang="en-US" sz="5870" spc="-1" strike="noStrike">
+            <a:endParaRPr lang="en-US" sz="5870" b="0" strike="noStrike" spc="-1">
               <a:latin typeface="DejaVu Sans"/>
             </a:endParaRPr>
           </a:p>
@@ -215,11 +313,11 @@
           </a:prstGeom>
         </p:spPr>
         <p:txBody>
-          <a:bodyPr lIns="0" rIns="0" tIns="0" bIns="0">
-            <a:normAutofit/>
-          </a:bodyPr>
-          <a:p>
-            <a:endParaRPr b="0" lang="en-US" sz="4270" spc="-1" strike="noStrike">
+          <a:bodyPr lIns="0" tIns="0" rIns="0" bIns="0">
+            <a:normAutofit/>
+          </a:bodyPr>
+          <a:p>
+            <a:endParaRPr lang="en-US" sz="4270" b="0" strike="noStrike" spc="-1">
               <a:latin typeface="DejaVu Sans"/>
             </a:endParaRPr>
           </a:p>
@@ -245,11 +343,11 @@
           </a:prstGeom>
         </p:spPr>
         <p:txBody>
-          <a:bodyPr lIns="0" rIns="0" tIns="0" bIns="0">
-            <a:normAutofit/>
-          </a:bodyPr>
-          <a:p>
-            <a:endParaRPr b="0" lang="en-US" sz="4270" spc="-1" strike="noStrike">
+          <a:bodyPr lIns="0" tIns="0" rIns="0" bIns="0">
+            <a:normAutofit/>
+          </a:bodyPr>
+          <a:p>
+            <a:endParaRPr lang="en-US" sz="4270" b="0" strike="noStrike" spc="-1">
               <a:latin typeface="DejaVu Sans"/>
             </a:endParaRPr>
           </a:p>
@@ -275,11 +373,11 @@
           </a:prstGeom>
         </p:spPr>
         <p:txBody>
-          <a:bodyPr lIns="0" rIns="0" tIns="0" bIns="0">
-            <a:normAutofit/>
-          </a:bodyPr>
-          <a:p>
-            <a:endParaRPr b="0" lang="en-US" sz="4270" spc="-1" strike="noStrike">
+          <a:bodyPr lIns="0" tIns="0" rIns="0" bIns="0">
+            <a:normAutofit/>
+          </a:bodyPr>
+          <a:p>
+            <a:endParaRPr lang="en-US" sz="4270" b="0" strike="noStrike" spc="-1">
               <a:latin typeface="DejaVu Sans"/>
             </a:endParaRPr>
           </a:p>
@@ -305,11 +403,11 @@
           </a:prstGeom>
         </p:spPr>
         <p:txBody>
-          <a:bodyPr lIns="0" rIns="0" tIns="0" bIns="0">
-            <a:normAutofit/>
-          </a:bodyPr>
-          <a:p>
-            <a:endParaRPr b="0" lang="en-US" sz="4270" spc="-1" strike="noStrike">
+          <a:bodyPr lIns="0" tIns="0" rIns="0" bIns="0">
+            <a:normAutofit/>
+          </a:bodyPr>
+          <a:p>
+            <a:endParaRPr lang="en-US" sz="4270" b="0" strike="noStrike" spc="-1">
               <a:latin typeface="DejaVu Sans"/>
             </a:endParaRPr>
           </a:p>
@@ -317,11 +415,14 @@
       </p:sp>
     </p:spTree>
   </p:cSld>
+  <p:clrMapOvr>
+    <a:masterClrMapping/>
+  </p:clrMapOvr>
 </p:sldLayout>
 </file>
 
 <file path=ppt/slideLayouts/slideLayout12.xml><?xml version="1.0" encoding="utf-8"?>
-<p:sldLayout xmlns:a="http://schemas.openxmlformats.org/drawingml/2006/main" xmlns:p="http://schemas.openxmlformats.org/presentationml/2006/main" xmlns:r="http://schemas.openxmlformats.org/officeDocument/2006/relationships" xmlns:p14="http://schemas.microsoft.com/office/powerpoint/2010/main" xmlns:p15="http://schemas.microsoft.com/office/powerpoint/2012/main" xmlns:mc="http://schemas.openxmlformats.org/markup-compatibility/2006" type="blank" preserve="1">
+<p:sldLayout xmlns:a="http://schemas.openxmlformats.org/drawingml/2006/main" xmlns:r="http://schemas.openxmlformats.org/officeDocument/2006/relationships" xmlns:p="http://schemas.openxmlformats.org/presentationml/2006/main" type="blank" preserve="1">
   <p:cSld name="Title, 6 Content">
     <p:spTree>
       <p:nvGrpSpPr>
@@ -357,10 +458,10 @@
           </a:prstGeom>
         </p:spPr>
         <p:txBody>
-          <a:bodyPr lIns="0" rIns="0" tIns="0" bIns="0" anchor="ctr"/>
+          <a:bodyPr lIns="0" tIns="0" rIns="0" bIns="0" anchor="ctr"/>
           <a:p>
             <a:pPr algn="ctr"/>
-            <a:endParaRPr b="0" lang="en-US" sz="5870" spc="-1" strike="noStrike">
+            <a:endParaRPr lang="en-US" sz="5870" b="0" strike="noStrike" spc="-1">
               <a:latin typeface="DejaVu Sans"/>
             </a:endParaRPr>
           </a:p>
@@ -386,11 +487,11 @@
           </a:prstGeom>
         </p:spPr>
         <p:txBody>
-          <a:bodyPr lIns="0" rIns="0" tIns="0" bIns="0">
-            <a:normAutofit/>
-          </a:bodyPr>
-          <a:p>
-            <a:endParaRPr b="0" lang="en-US" sz="4270" spc="-1" strike="noStrike">
+          <a:bodyPr lIns="0" tIns="0" rIns="0" bIns="0">
+            <a:normAutofit/>
+          </a:bodyPr>
+          <a:p>
+            <a:endParaRPr lang="en-US" sz="4270" b="0" strike="noStrike" spc="-1">
               <a:latin typeface="DejaVu Sans"/>
             </a:endParaRPr>
           </a:p>
@@ -416,11 +517,11 @@
           </a:prstGeom>
         </p:spPr>
         <p:txBody>
-          <a:bodyPr lIns="0" rIns="0" tIns="0" bIns="0">
-            <a:normAutofit/>
-          </a:bodyPr>
-          <a:p>
-            <a:endParaRPr b="0" lang="en-US" sz="4270" spc="-1" strike="noStrike">
+          <a:bodyPr lIns="0" tIns="0" rIns="0" bIns="0">
+            <a:normAutofit/>
+          </a:bodyPr>
+          <a:p>
+            <a:endParaRPr lang="en-US" sz="4270" b="0" strike="noStrike" spc="-1">
               <a:latin typeface="DejaVu Sans"/>
             </a:endParaRPr>
           </a:p>
@@ -446,11 +547,11 @@
           </a:prstGeom>
         </p:spPr>
         <p:txBody>
-          <a:bodyPr lIns="0" rIns="0" tIns="0" bIns="0">
-            <a:normAutofit/>
-          </a:bodyPr>
-          <a:p>
-            <a:endParaRPr b="0" lang="en-US" sz="4270" spc="-1" strike="noStrike">
+          <a:bodyPr lIns="0" tIns="0" rIns="0" bIns="0">
+            <a:normAutofit/>
+          </a:bodyPr>
+          <a:p>
+            <a:endParaRPr lang="en-US" sz="4270" b="0" strike="noStrike" spc="-1">
               <a:latin typeface="DejaVu Sans"/>
             </a:endParaRPr>
           </a:p>
@@ -476,11 +577,11 @@
           </a:prstGeom>
         </p:spPr>
         <p:txBody>
-          <a:bodyPr lIns="0" rIns="0" tIns="0" bIns="0">
-            <a:normAutofit/>
-          </a:bodyPr>
-          <a:p>
-            <a:endParaRPr b="0" lang="en-US" sz="4270" spc="-1" strike="noStrike">
+          <a:bodyPr lIns="0" tIns="0" rIns="0" bIns="0">
+            <a:normAutofit/>
+          </a:bodyPr>
+          <a:p>
+            <a:endParaRPr lang="en-US" sz="4270" b="0" strike="noStrike" spc="-1">
               <a:latin typeface="DejaVu Sans"/>
             </a:endParaRPr>
           </a:p>
@@ -506,11 +607,11 @@
           </a:prstGeom>
         </p:spPr>
         <p:txBody>
-          <a:bodyPr lIns="0" rIns="0" tIns="0" bIns="0">
-            <a:normAutofit/>
-          </a:bodyPr>
-          <a:p>
-            <a:endParaRPr b="0" lang="en-US" sz="4270" spc="-1" strike="noStrike">
+          <a:bodyPr lIns="0" tIns="0" rIns="0" bIns="0">
+            <a:normAutofit/>
+          </a:bodyPr>
+          <a:p>
+            <a:endParaRPr lang="en-US" sz="4270" b="0" strike="noStrike" spc="-1">
               <a:latin typeface="DejaVu Sans"/>
             </a:endParaRPr>
           </a:p>
@@ -536,11 +637,11 @@
           </a:prstGeom>
         </p:spPr>
         <p:txBody>
-          <a:bodyPr lIns="0" rIns="0" tIns="0" bIns="0">
-            <a:normAutofit/>
-          </a:bodyPr>
-          <a:p>
-            <a:endParaRPr b="0" lang="en-US" sz="4270" spc="-1" strike="noStrike">
+          <a:bodyPr lIns="0" tIns="0" rIns="0" bIns="0">
+            <a:normAutofit/>
+          </a:bodyPr>
+          <a:p>
+            <a:endParaRPr lang="en-US" sz="4270" b="0" strike="noStrike" spc="-1">
               <a:latin typeface="DejaVu Sans"/>
             </a:endParaRPr>
           </a:p>
@@ -548,11 +649,14 @@
       </p:sp>
     </p:spTree>
   </p:cSld>
+  <p:clrMapOvr>
+    <a:masterClrMapping/>
+  </p:clrMapOvr>
 </p:sldLayout>
 </file>
 
 <file path=ppt/slideLayouts/slideLayout2.xml><?xml version="1.0" encoding="utf-8"?>
-<p:sldLayout xmlns:a="http://schemas.openxmlformats.org/drawingml/2006/main" xmlns:p="http://schemas.openxmlformats.org/presentationml/2006/main" xmlns:r="http://schemas.openxmlformats.org/officeDocument/2006/relationships" xmlns:p14="http://schemas.microsoft.com/office/powerpoint/2010/main" xmlns:p15="http://schemas.microsoft.com/office/powerpoint/2012/main" xmlns:mc="http://schemas.openxmlformats.org/markup-compatibility/2006" type="tx" preserve="1">
+<p:sldLayout xmlns:a="http://schemas.openxmlformats.org/drawingml/2006/main" xmlns:r="http://schemas.openxmlformats.org/officeDocument/2006/relationships" xmlns:p="http://schemas.openxmlformats.org/presentationml/2006/main" type="tx" preserve="1">
   <p:cSld name="Title Slide">
     <p:spTree>
       <p:nvGrpSpPr>
@@ -588,10 +692,10 @@
           </a:prstGeom>
         </p:spPr>
         <p:txBody>
-          <a:bodyPr lIns="0" rIns="0" tIns="0" bIns="0" anchor="ctr"/>
+          <a:bodyPr lIns="0" tIns="0" rIns="0" bIns="0" anchor="ctr"/>
           <a:p>
             <a:pPr algn="ctr"/>
-            <a:endParaRPr b="0" lang="en-US" sz="5870" spc="-1" strike="noStrike">
+            <a:endParaRPr lang="en-US" sz="5870" b="0" strike="noStrike" spc="-1">
               <a:latin typeface="DejaVu Sans"/>
             </a:endParaRPr>
           </a:p>
@@ -617,10 +721,10 @@
           </a:prstGeom>
         </p:spPr>
         <p:txBody>
-          <a:bodyPr lIns="0" rIns="0" tIns="0" bIns="0" anchor="ctr"/>
+          <a:bodyPr lIns="0" tIns="0" rIns="0" bIns="0" anchor="ctr"/>
           <a:p>
             <a:pPr algn="ctr"/>
-            <a:endParaRPr b="0" lang="en-US" sz="3200" spc="-1" strike="noStrike">
+            <a:endParaRPr lang="en-US" sz="3200" b="0" strike="noStrike" spc="-1">
               <a:latin typeface="DejaVu Sans"/>
             </a:endParaRPr>
           </a:p>
@@ -628,11 +732,14 @@
       </p:sp>
     </p:spTree>
   </p:cSld>
+  <p:clrMapOvr>
+    <a:masterClrMapping/>
+  </p:clrMapOvr>
 </p:sldLayout>
 </file>
 
 <file path=ppt/slideLayouts/slideLayout3.xml><?xml version="1.0" encoding="utf-8"?>
-<p:sldLayout xmlns:a="http://schemas.openxmlformats.org/drawingml/2006/main" xmlns:p="http://schemas.openxmlformats.org/presentationml/2006/main" xmlns:r="http://schemas.openxmlformats.org/officeDocument/2006/relationships" xmlns:p14="http://schemas.microsoft.com/office/powerpoint/2010/main" xmlns:p15="http://schemas.microsoft.com/office/powerpoint/2012/main" xmlns:mc="http://schemas.openxmlformats.org/markup-compatibility/2006" type="obj" preserve="1">
+<p:sldLayout xmlns:a="http://schemas.openxmlformats.org/drawingml/2006/main" xmlns:r="http://schemas.openxmlformats.org/officeDocument/2006/relationships" xmlns:p="http://schemas.openxmlformats.org/presentationml/2006/main" type="obj" preserve="1">
   <p:cSld name="Title, Content">
     <p:spTree>
       <p:nvGrpSpPr>
@@ -668,10 +775,10 @@
           </a:prstGeom>
         </p:spPr>
         <p:txBody>
-          <a:bodyPr lIns="0" rIns="0" tIns="0" bIns="0" anchor="ctr"/>
+          <a:bodyPr lIns="0" tIns="0" rIns="0" bIns="0" anchor="ctr"/>
           <a:p>
             <a:pPr algn="ctr"/>
-            <a:endParaRPr b="0" lang="en-US" sz="5870" spc="-1" strike="noStrike">
+            <a:endParaRPr lang="en-US" sz="5870" b="0" strike="noStrike" spc="-1">
               <a:latin typeface="DejaVu Sans"/>
             </a:endParaRPr>
           </a:p>
@@ -697,11 +804,11 @@
           </a:prstGeom>
         </p:spPr>
         <p:txBody>
-          <a:bodyPr lIns="0" rIns="0" tIns="0" bIns="0">
-            <a:normAutofit/>
-          </a:bodyPr>
-          <a:p>
-            <a:endParaRPr b="0" lang="en-US" sz="4270" spc="-1" strike="noStrike">
+          <a:bodyPr lIns="0" tIns="0" rIns="0" bIns="0">
+            <a:normAutofit/>
+          </a:bodyPr>
+          <a:p>
+            <a:endParaRPr lang="en-US" sz="4270" b="0" strike="noStrike" spc="-1">
               <a:latin typeface="DejaVu Sans"/>
             </a:endParaRPr>
           </a:p>
@@ -709,11 +816,14 @@
       </p:sp>
     </p:spTree>
   </p:cSld>
+  <p:clrMapOvr>
+    <a:masterClrMapping/>
+  </p:clrMapOvr>
 </p:sldLayout>
 </file>
 
 <file path=ppt/slideLayouts/slideLayout4.xml><?xml version="1.0" encoding="utf-8"?>
-<p:sldLayout xmlns:a="http://schemas.openxmlformats.org/drawingml/2006/main" xmlns:p="http://schemas.openxmlformats.org/presentationml/2006/main" xmlns:r="http://schemas.openxmlformats.org/officeDocument/2006/relationships" xmlns:p14="http://schemas.microsoft.com/office/powerpoint/2010/main" xmlns:p15="http://schemas.microsoft.com/office/powerpoint/2012/main" xmlns:mc="http://schemas.openxmlformats.org/markup-compatibility/2006" type="twoObj" preserve="1">
+<p:sldLayout xmlns:a="http://schemas.openxmlformats.org/drawingml/2006/main" xmlns:r="http://schemas.openxmlformats.org/officeDocument/2006/relationships" xmlns:p="http://schemas.openxmlformats.org/presentationml/2006/main" type="twoObj" preserve="1">
   <p:cSld name="Title, 2 Content">
     <p:spTree>
       <p:nvGrpSpPr>
@@ -749,10 +859,10 @@
           </a:prstGeom>
         </p:spPr>
         <p:txBody>
-          <a:bodyPr lIns="0" rIns="0" tIns="0" bIns="0" anchor="ctr"/>
+          <a:bodyPr lIns="0" tIns="0" rIns="0" bIns="0" anchor="ctr"/>
           <a:p>
             <a:pPr algn="ctr"/>
-            <a:endParaRPr b="0" lang="en-US" sz="5870" spc="-1" strike="noStrike">
+            <a:endParaRPr lang="en-US" sz="5870" b="0" strike="noStrike" spc="-1">
               <a:latin typeface="DejaVu Sans"/>
             </a:endParaRPr>
           </a:p>
@@ -778,11 +888,11 @@
           </a:prstGeom>
         </p:spPr>
         <p:txBody>
-          <a:bodyPr lIns="0" rIns="0" tIns="0" bIns="0">
-            <a:normAutofit/>
-          </a:bodyPr>
-          <a:p>
-            <a:endParaRPr b="0" lang="en-US" sz="4270" spc="-1" strike="noStrike">
+          <a:bodyPr lIns="0" tIns="0" rIns="0" bIns="0">
+            <a:normAutofit/>
+          </a:bodyPr>
+          <a:p>
+            <a:endParaRPr lang="en-US" sz="4270" b="0" strike="noStrike" spc="-1">
               <a:latin typeface="DejaVu Sans"/>
             </a:endParaRPr>
           </a:p>
@@ -808,11 +918,11 @@
           </a:prstGeom>
         </p:spPr>
         <p:txBody>
-          <a:bodyPr lIns="0" rIns="0" tIns="0" bIns="0">
-            <a:normAutofit/>
-          </a:bodyPr>
-          <a:p>
-            <a:endParaRPr b="0" lang="en-US" sz="4270" spc="-1" strike="noStrike">
+          <a:bodyPr lIns="0" tIns="0" rIns="0" bIns="0">
+            <a:normAutofit/>
+          </a:bodyPr>
+          <a:p>
+            <a:endParaRPr lang="en-US" sz="4270" b="0" strike="noStrike" spc="-1">
               <a:latin typeface="DejaVu Sans"/>
             </a:endParaRPr>
           </a:p>
@@ -820,11 +930,14 @@
       </p:sp>
     </p:spTree>
   </p:cSld>
+  <p:clrMapOvr>
+    <a:masterClrMapping/>
+  </p:clrMapOvr>
 </p:sldLayout>
 </file>
 
 <file path=ppt/slideLayouts/slideLayout5.xml><?xml version="1.0" encoding="utf-8"?>
-<p:sldLayout xmlns:a="http://schemas.openxmlformats.org/drawingml/2006/main" xmlns:p="http://schemas.openxmlformats.org/presentationml/2006/main" xmlns:r="http://schemas.openxmlformats.org/officeDocument/2006/relationships" xmlns:p14="http://schemas.microsoft.com/office/powerpoint/2010/main" xmlns:p15="http://schemas.microsoft.com/office/powerpoint/2012/main" xmlns:mc="http://schemas.openxmlformats.org/markup-compatibility/2006" type="titleOnly" preserve="1">
+<p:sldLayout xmlns:a="http://schemas.openxmlformats.org/drawingml/2006/main" xmlns:r="http://schemas.openxmlformats.org/officeDocument/2006/relationships" xmlns:p="http://schemas.openxmlformats.org/presentationml/2006/main" type="titleOnly" preserve="1">
   <p:cSld name="Title Only">
     <p:spTree>
       <p:nvGrpSpPr>
@@ -860,10 +973,10 @@
           </a:prstGeom>
         </p:spPr>
         <p:txBody>
-          <a:bodyPr lIns="0" rIns="0" tIns="0" bIns="0" anchor="ctr"/>
+          <a:bodyPr lIns="0" tIns="0" rIns="0" bIns="0" anchor="ctr"/>
           <a:p>
             <a:pPr algn="ctr"/>
-            <a:endParaRPr b="0" lang="en-US" sz="5870" spc="-1" strike="noStrike">
+            <a:endParaRPr lang="en-US" sz="5870" b="0" strike="noStrike" spc="-1">
               <a:latin typeface="DejaVu Sans"/>
             </a:endParaRPr>
           </a:p>
@@ -871,11 +984,14 @@
       </p:sp>
     </p:spTree>
   </p:cSld>
+  <p:clrMapOvr>
+    <a:masterClrMapping/>
+  </p:clrMapOvr>
 </p:sldLayout>
 </file>
 
 <file path=ppt/slideLayouts/slideLayout6.xml><?xml version="1.0" encoding="utf-8"?>
-<p:sldLayout xmlns:a="http://schemas.openxmlformats.org/drawingml/2006/main" xmlns:p="http://schemas.openxmlformats.org/presentationml/2006/main" xmlns:r="http://schemas.openxmlformats.org/officeDocument/2006/relationships" xmlns:p14="http://schemas.microsoft.com/office/powerpoint/2010/main" xmlns:p15="http://schemas.microsoft.com/office/powerpoint/2012/main" xmlns:mc="http://schemas.openxmlformats.org/markup-compatibility/2006" type="objOnly" preserve="1">
+<p:sldLayout xmlns:a="http://schemas.openxmlformats.org/drawingml/2006/main" xmlns:r="http://schemas.openxmlformats.org/officeDocument/2006/relationships" xmlns:p="http://schemas.openxmlformats.org/presentationml/2006/main" type="objOnly" preserve="1">
   <p:cSld name="Centered Text">
     <p:spTree>
       <p:nvGrpSpPr>
@@ -911,10 +1027,10 @@
           </a:prstGeom>
         </p:spPr>
         <p:txBody>
-          <a:bodyPr lIns="0" rIns="0" tIns="0" bIns="0" anchor="ctr"/>
+          <a:bodyPr lIns="0" tIns="0" rIns="0" bIns="0" anchor="ctr"/>
           <a:p>
             <a:pPr algn="ctr"/>
-            <a:endParaRPr b="0" lang="en-US" sz="3200" spc="-1" strike="noStrike">
+            <a:endParaRPr lang="en-US" sz="3200" b="0" strike="noStrike" spc="-1">
               <a:latin typeface="DejaVu Sans"/>
             </a:endParaRPr>
           </a:p>
@@ -922,11 +1038,14 @@
       </p:sp>
     </p:spTree>
   </p:cSld>
+  <p:clrMapOvr>
+    <a:masterClrMapping/>
+  </p:clrMapOvr>
 </p:sldLayout>
 </file>
 
 <file path=ppt/slideLayouts/slideLayout7.xml><?xml version="1.0" encoding="utf-8"?>
-<p:sldLayout xmlns:a="http://schemas.openxmlformats.org/drawingml/2006/main" xmlns:p="http://schemas.openxmlformats.org/presentationml/2006/main" xmlns:r="http://schemas.openxmlformats.org/officeDocument/2006/relationships" xmlns:p14="http://schemas.microsoft.com/office/powerpoint/2010/main" xmlns:p15="http://schemas.microsoft.com/office/powerpoint/2012/main" xmlns:mc="http://schemas.openxmlformats.org/markup-compatibility/2006" type="twoObjAndObj" preserve="1">
+<p:sldLayout xmlns:a="http://schemas.openxmlformats.org/drawingml/2006/main" xmlns:r="http://schemas.openxmlformats.org/officeDocument/2006/relationships" xmlns:p="http://schemas.openxmlformats.org/presentationml/2006/main" type="twoObjAndObj" preserve="1">
   <p:cSld name="Title, 2 Content and Content">
     <p:spTree>
       <p:nvGrpSpPr>
@@ -962,10 +1081,10 @@
           </a:prstGeom>
         </p:spPr>
         <p:txBody>
-          <a:bodyPr lIns="0" rIns="0" tIns="0" bIns="0" anchor="ctr"/>
+          <a:bodyPr lIns="0" tIns="0" rIns="0" bIns="0" anchor="ctr"/>
           <a:p>
             <a:pPr algn="ctr"/>
-            <a:endParaRPr b="0" lang="en-US" sz="5870" spc="-1" strike="noStrike">
+            <a:endParaRPr lang="en-US" sz="5870" b="0" strike="noStrike" spc="-1">
               <a:latin typeface="DejaVu Sans"/>
             </a:endParaRPr>
           </a:p>
@@ -991,11 +1110,11 @@
           </a:prstGeom>
         </p:spPr>
         <p:txBody>
-          <a:bodyPr lIns="0" rIns="0" tIns="0" bIns="0">
-            <a:normAutofit/>
-          </a:bodyPr>
-          <a:p>
-            <a:endParaRPr b="0" lang="en-US" sz="4270" spc="-1" strike="noStrike">
+          <a:bodyPr lIns="0" tIns="0" rIns="0" bIns="0">
+            <a:normAutofit/>
+          </a:bodyPr>
+          <a:p>
+            <a:endParaRPr lang="en-US" sz="4270" b="0" strike="noStrike" spc="-1">
               <a:latin typeface="DejaVu Sans"/>
             </a:endParaRPr>
           </a:p>
@@ -1021,11 +1140,11 @@
           </a:prstGeom>
         </p:spPr>
         <p:txBody>
-          <a:bodyPr lIns="0" rIns="0" tIns="0" bIns="0">
-            <a:normAutofit/>
-          </a:bodyPr>
-          <a:p>
-            <a:endParaRPr b="0" lang="en-US" sz="4270" spc="-1" strike="noStrike">
+          <a:bodyPr lIns="0" tIns="0" rIns="0" bIns="0">
+            <a:normAutofit/>
+          </a:bodyPr>
+          <a:p>
+            <a:endParaRPr lang="en-US" sz="4270" b="0" strike="noStrike" spc="-1">
               <a:latin typeface="DejaVu Sans"/>
             </a:endParaRPr>
           </a:p>
@@ -1051,11 +1170,11 @@
           </a:prstGeom>
         </p:spPr>
         <p:txBody>
-          <a:bodyPr lIns="0" rIns="0" tIns="0" bIns="0">
-            <a:normAutofit/>
-          </a:bodyPr>
-          <a:p>
-            <a:endParaRPr b="0" lang="en-US" sz="4270" spc="-1" strike="noStrike">
+          <a:bodyPr lIns="0" tIns="0" rIns="0" bIns="0">
+            <a:normAutofit/>
+          </a:bodyPr>
+          <a:p>
+            <a:endParaRPr lang="en-US" sz="4270" b="0" strike="noStrike" spc="-1">
               <a:latin typeface="DejaVu Sans"/>
             </a:endParaRPr>
           </a:p>
@@ -1063,11 +1182,14 @@
       </p:sp>
     </p:spTree>
   </p:cSld>
+  <p:clrMapOvr>
+    <a:masterClrMapping/>
+  </p:clrMapOvr>
 </p:sldLayout>
 </file>
 
 <file path=ppt/slideLayouts/slideLayout8.xml><?xml version="1.0" encoding="utf-8"?>
-<p:sldLayout xmlns:a="http://schemas.openxmlformats.org/drawingml/2006/main" xmlns:p="http://schemas.openxmlformats.org/presentationml/2006/main" xmlns:r="http://schemas.openxmlformats.org/officeDocument/2006/relationships" xmlns:p14="http://schemas.microsoft.com/office/powerpoint/2010/main" xmlns:p15="http://schemas.microsoft.com/office/powerpoint/2012/main" xmlns:mc="http://schemas.openxmlformats.org/markup-compatibility/2006" type="objAndTwoObj" preserve="1">
+<p:sldLayout xmlns:a="http://schemas.openxmlformats.org/drawingml/2006/main" xmlns:r="http://schemas.openxmlformats.org/officeDocument/2006/relationships" xmlns:p="http://schemas.openxmlformats.org/presentationml/2006/main" type="objAndTwoObj" preserve="1">
   <p:cSld name="Title Content and 2 Content">
     <p:spTree>
       <p:nvGrpSpPr>
@@ -1103,10 +1225,10 @@
           </a:prstGeom>
         </p:spPr>
         <p:txBody>
-          <a:bodyPr lIns="0" rIns="0" tIns="0" bIns="0" anchor="ctr"/>
+          <a:bodyPr lIns="0" tIns="0" rIns="0" bIns="0" anchor="ctr"/>
           <a:p>
             <a:pPr algn="ctr"/>
-            <a:endParaRPr b="0" lang="en-US" sz="5870" spc="-1" strike="noStrike">
+            <a:endParaRPr lang="en-US" sz="5870" b="0" strike="noStrike" spc="-1">
               <a:latin typeface="DejaVu Sans"/>
             </a:endParaRPr>
           </a:p>
@@ -1132,11 +1254,11 @@
           </a:prstGeom>
         </p:spPr>
         <p:txBody>
-          <a:bodyPr lIns="0" rIns="0" tIns="0" bIns="0">
-            <a:normAutofit/>
-          </a:bodyPr>
-          <a:p>
-            <a:endParaRPr b="0" lang="en-US" sz="4270" spc="-1" strike="noStrike">
+          <a:bodyPr lIns="0" tIns="0" rIns="0" bIns="0">
+            <a:normAutofit/>
+          </a:bodyPr>
+          <a:p>
+            <a:endParaRPr lang="en-US" sz="4270" b="0" strike="noStrike" spc="-1">
               <a:latin typeface="DejaVu Sans"/>
             </a:endParaRPr>
           </a:p>
@@ -1162,11 +1284,11 @@
           </a:prstGeom>
         </p:spPr>
         <p:txBody>
-          <a:bodyPr lIns="0" rIns="0" tIns="0" bIns="0">
-            <a:normAutofit/>
-          </a:bodyPr>
-          <a:p>
-            <a:endParaRPr b="0" lang="en-US" sz="4270" spc="-1" strike="noStrike">
+          <a:bodyPr lIns="0" tIns="0" rIns="0" bIns="0">
+            <a:normAutofit/>
+          </a:bodyPr>
+          <a:p>
+            <a:endParaRPr lang="en-US" sz="4270" b="0" strike="noStrike" spc="-1">
               <a:latin typeface="DejaVu Sans"/>
             </a:endParaRPr>
           </a:p>
@@ -1192,11 +1314,11 @@
           </a:prstGeom>
         </p:spPr>
         <p:txBody>
-          <a:bodyPr lIns="0" rIns="0" tIns="0" bIns="0">
-            <a:normAutofit/>
-          </a:bodyPr>
-          <a:p>
-            <a:endParaRPr b="0" lang="en-US" sz="4270" spc="-1" strike="noStrike">
+          <a:bodyPr lIns="0" tIns="0" rIns="0" bIns="0">
+            <a:normAutofit/>
+          </a:bodyPr>
+          <a:p>
+            <a:endParaRPr lang="en-US" sz="4270" b="0" strike="noStrike" spc="-1">
               <a:latin typeface="DejaVu Sans"/>
             </a:endParaRPr>
           </a:p>
@@ -1204,11 +1326,14 @@
       </p:sp>
     </p:spTree>
   </p:cSld>
+  <p:clrMapOvr>
+    <a:masterClrMapping/>
+  </p:clrMapOvr>
 </p:sldLayout>
 </file>
 
 <file path=ppt/slideLayouts/slideLayout9.xml><?xml version="1.0" encoding="utf-8"?>
-<p:sldLayout xmlns:a="http://schemas.openxmlformats.org/drawingml/2006/main" xmlns:p="http://schemas.openxmlformats.org/presentationml/2006/main" xmlns:r="http://schemas.openxmlformats.org/officeDocument/2006/relationships" xmlns:p14="http://schemas.microsoft.com/office/powerpoint/2010/main" xmlns:p15="http://schemas.microsoft.com/office/powerpoint/2012/main" xmlns:mc="http://schemas.openxmlformats.org/markup-compatibility/2006" type="twoObjOverTx" preserve="1">
+<p:sldLayout xmlns:a="http://schemas.openxmlformats.org/drawingml/2006/main" xmlns:r="http://schemas.openxmlformats.org/officeDocument/2006/relationships" xmlns:p="http://schemas.openxmlformats.org/presentationml/2006/main" type="twoObjOverTx" preserve="1">
   <p:cSld name="Title, 2 Content over Content">
     <p:spTree>
       <p:nvGrpSpPr>
@@ -1244,10 +1369,10 @@
           </a:prstGeom>
         </p:spPr>
         <p:txBody>
-          <a:bodyPr lIns="0" rIns="0" tIns="0" bIns="0" anchor="ctr"/>
+          <a:bodyPr lIns="0" tIns="0" rIns="0" bIns="0" anchor="ctr"/>
           <a:p>
             <a:pPr algn="ctr"/>
-            <a:endParaRPr b="0" lang="en-US" sz="5870" spc="-1" strike="noStrike">
+            <a:endParaRPr lang="en-US" sz="5870" b="0" strike="noStrike" spc="-1">
               <a:latin typeface="DejaVu Sans"/>
             </a:endParaRPr>
           </a:p>
@@ -1273,11 +1398,11 @@
           </a:prstGeom>
         </p:spPr>
         <p:txBody>
-          <a:bodyPr lIns="0" rIns="0" tIns="0" bIns="0">
-            <a:normAutofit/>
-          </a:bodyPr>
-          <a:p>
-            <a:endParaRPr b="0" lang="en-US" sz="4270" spc="-1" strike="noStrike">
+          <a:bodyPr lIns="0" tIns="0" rIns="0" bIns="0">
+            <a:normAutofit/>
+          </a:bodyPr>
+          <a:p>
+            <a:endParaRPr lang="en-US" sz="4270" b="0" strike="noStrike" spc="-1">
               <a:latin typeface="DejaVu Sans"/>
             </a:endParaRPr>
           </a:p>
@@ -1303,11 +1428,11 @@
           </a:prstGeom>
         </p:spPr>
         <p:txBody>
-          <a:bodyPr lIns="0" rIns="0" tIns="0" bIns="0">
-            <a:normAutofit/>
-          </a:bodyPr>
-          <a:p>
-            <a:endParaRPr b="0" lang="en-US" sz="4270" spc="-1" strike="noStrike">
+          <a:bodyPr lIns="0" tIns="0" rIns="0" bIns="0">
+            <a:normAutofit/>
+          </a:bodyPr>
+          <a:p>
+            <a:endParaRPr lang="en-US" sz="4270" b="0" strike="noStrike" spc="-1">
               <a:latin typeface="DejaVu Sans"/>
             </a:endParaRPr>
           </a:p>
@@ -1333,11 +1458,11 @@
           </a:prstGeom>
         </p:spPr>
         <p:txBody>
-          <a:bodyPr lIns="0" rIns="0" tIns="0" bIns="0">
-            <a:normAutofit/>
-          </a:bodyPr>
-          <a:p>
-            <a:endParaRPr b="0" lang="en-US" sz="4270" spc="-1" strike="noStrike">
+          <a:bodyPr lIns="0" tIns="0" rIns="0" bIns="0">
+            <a:normAutofit/>
+          </a:bodyPr>
+          <a:p>
+            <a:endParaRPr lang="en-US" sz="4270" b="0" strike="noStrike" spc="-1">
               <a:latin typeface="DejaVu Sans"/>
             </a:endParaRPr>
           </a:p>
@@ -1345,11 +1470,378 @@
       </p:sp>
     </p:spTree>
   </p:cSld>
+  <p:clrMapOvr>
+    <a:masterClrMapping/>
+  </p:clrMapOvr>
 </p:sldLayout>
 </file>
 
 <file path=ppt/slideMasters/slideMaster1.xml><?xml version="1.0" encoding="utf-8"?>
-<p:sldMaster xmlns:a="http://schemas.openxmlformats.org/drawingml/2006/main" xmlns:p="http://schemas.openxmlformats.org/presentationml/2006/main" xmlns:r="http://schemas.openxmlformats.org/officeDocument/2006/relationships" xmlns:p14="http://schemas.microsoft.com/office/powerpoint/2010/main" xmlns:p15="http://schemas.microsoft.com/office/powerpoint/2012/main" xmlns:mc="http://schemas.openxmlformats.org/markup-compatibility/2006">
+<p:sldMaster xmlns:a="http://schemas.openxmlformats.org/drawingml/2006/main" xmlns:r="http://schemas.openxmlformats.org/officeDocument/2006/relationships" xmlns:p="http://schemas.openxmlformats.org/presentationml/2006/main">
+  <p:cSld>
+    <p:bg>
+      <p:bgRef idx="1001">
+        <a:schemeClr val="bg1"/>
+      </p:bgRef>
+    </p:bg>
+    <p:spTree>
+      <p:nvGrpSpPr>
+        <p:cNvPr id="1" name=""/>
+        <p:cNvGrpSpPr/>
+        <p:nvPr/>
+      </p:nvGrpSpPr>
+      <p:grpSpPr>
+        <a:xfrm>
+          <a:off x="0" y="0"/>
+          <a:ext cx="0" cy="0"/>
+          <a:chOff x="0" y="0"/>
+          <a:chExt cx="0" cy="0"/>
+        </a:xfrm>
+      </p:grpSpPr>
+      <p:sp>
+        <p:nvSpPr>
+          <p:cNvPr id="0" name="PlaceHolder 1"/>
+          <p:cNvSpPr>
+            <a:spLocks noGrp="1"/>
+          </p:cNvSpPr>
+          <p:nvPr>
+            <p:ph type="title"/>
+          </p:nvPr>
+        </p:nvSpPr>
+        <p:spPr>
+          <a:xfrm>
+            <a:off x="504000" y="301320"/>
+            <a:ext cx="9071640" cy="1261800"/>
+          </a:xfrm>
+          <a:prstGeom prst="rect">
+            <a:avLst/>
+          </a:prstGeom>
+        </p:spPr>
+        <p:txBody>
+          <a:bodyPr lIns="0" tIns="0" rIns="0" bIns="0" anchor="ctr"/>
+          <a:p>
+            <a:pPr algn="ctr"/>
+            <a:r>
+              <a:rPr lang="en-US" sz="5870" b="0" strike="noStrike" spc="-1">
+                <a:latin typeface="DejaVu Sans"/>
+              </a:rPr>
+              <a:t>Click to edit the title text format</a:t>
+            </a:r>
+            <a:endParaRPr lang="en-US" sz="5870" b="0" strike="noStrike" spc="-1">
+              <a:latin typeface="DejaVu Sans"/>
+            </a:endParaRPr>
+          </a:p>
+        </p:txBody>
+      </p:sp>
+      <p:sp>
+        <p:nvSpPr>
+          <p:cNvPr id="2" name="PlaceHolder 2"/>
+          <p:cNvSpPr>
+            <a:spLocks noGrp="1"/>
+          </p:cNvSpPr>
+          <p:nvPr>
+            <p:ph type="body"/>
+          </p:nvPr>
+        </p:nvSpPr>
+        <p:spPr>
+          <a:xfrm>
+            <a:off x="504000" y="1768680"/>
+            <a:ext cx="9071640" cy="4384440"/>
+          </a:xfrm>
+          <a:prstGeom prst="rect">
+            <a:avLst/>
+          </a:prstGeom>
+        </p:spPr>
+        <p:txBody>
+          <a:bodyPr lIns="0" tIns="0" rIns="0" bIns="0">
+            <a:normAutofit/>
+          </a:bodyPr>
+          <a:p>
+            <a:pPr marL="431800" indent="-323850">
+              <a:spcBef>
+                <a:spcPts val="1890"/>
+              </a:spcBef>
+              <a:buClr>
+                <a:srgbClr val="000000"/>
+              </a:buClr>
+              <a:buSzPct val="45000"/>
+              <a:buFont typeface="Wingdings" panose="05000000000000000000" charset="2"/>
+              <a:buChar char=""/>
+            </a:pPr>
+            <a:r>
+              <a:rPr lang="en-US" sz="4270" b="0" strike="noStrike" spc="-1">
+                <a:latin typeface="DejaVu Sans"/>
+              </a:rPr>
+              <a:t>Click to edit the outline text format</a:t>
+            </a:r>
+            <a:endParaRPr lang="en-US" sz="4270" b="0" strike="noStrike" spc="-1">
+              <a:latin typeface="DejaVu Sans"/>
+            </a:endParaRPr>
+          </a:p>
+          <a:p>
+            <a:pPr marL="864235" lvl="1" indent="-323850">
+              <a:spcBef>
+                <a:spcPts val="1510"/>
+              </a:spcBef>
+              <a:buClr>
+                <a:srgbClr val="000000"/>
+              </a:buClr>
+              <a:buSzPct val="75000"/>
+              <a:buFont typeface="Symbol" charset="2"/>
+              <a:buChar char=""/>
+            </a:pPr>
+            <a:r>
+              <a:rPr lang="en-US" sz="3730" b="0" strike="noStrike" spc="-1">
+                <a:latin typeface="DejaVu Sans"/>
+              </a:rPr>
+              <a:t>Second Outline Level</a:t>
+            </a:r>
+            <a:endParaRPr lang="en-US" sz="3730" b="0" strike="noStrike" spc="-1">
+              <a:latin typeface="DejaVu Sans"/>
+            </a:endParaRPr>
+          </a:p>
+          <a:p>
+            <a:pPr marL="1296035" lvl="2" indent="-288290">
+              <a:spcBef>
+                <a:spcPts val="1135"/>
+              </a:spcBef>
+              <a:buClr>
+                <a:srgbClr val="000000"/>
+              </a:buClr>
+              <a:buSzPct val="45000"/>
+              <a:buFont typeface="Wingdings" panose="05000000000000000000" charset="2"/>
+              <a:buChar char=""/>
+            </a:pPr>
+            <a:r>
+              <a:rPr lang="en-US" sz="3200" b="0" strike="noStrike" spc="-1">
+                <a:latin typeface="DejaVu Sans"/>
+              </a:rPr>
+              <a:t>Third Outline Level</a:t>
+            </a:r>
+            <a:endParaRPr lang="en-US" sz="3200" b="0" strike="noStrike" spc="-1">
+              <a:latin typeface="DejaVu Sans"/>
+            </a:endParaRPr>
+          </a:p>
+          <a:p>
+            <a:pPr marL="1727835" lvl="3" indent="-215900">
+              <a:spcBef>
+                <a:spcPts val="755"/>
+              </a:spcBef>
+              <a:buClr>
+                <a:srgbClr val="000000"/>
+              </a:buClr>
+              <a:buSzPct val="75000"/>
+              <a:buFont typeface="Symbol" charset="2"/>
+              <a:buChar char=""/>
+            </a:pPr>
+            <a:r>
+              <a:rPr lang="en-US" sz="2670" b="0" strike="noStrike" spc="-1">
+                <a:latin typeface="DejaVu Sans"/>
+              </a:rPr>
+              <a:t>Fourth Outline Level</a:t>
+            </a:r>
+            <a:endParaRPr lang="en-US" sz="2670" b="0" strike="noStrike" spc="-1">
+              <a:latin typeface="DejaVu Sans"/>
+            </a:endParaRPr>
+          </a:p>
+          <a:p>
+            <a:pPr marL="2160270" lvl="4" indent="-215900">
+              <a:spcBef>
+                <a:spcPts val="375"/>
+              </a:spcBef>
+              <a:buClr>
+                <a:srgbClr val="000000"/>
+              </a:buClr>
+              <a:buSzPct val="45000"/>
+              <a:buFont typeface="Wingdings" panose="05000000000000000000" charset="2"/>
+              <a:buChar char=""/>
+            </a:pPr>
+            <a:r>
+              <a:rPr lang="en-US" sz="2670" b="0" strike="noStrike" spc="-1">
+                <a:latin typeface="DejaVu Sans"/>
+              </a:rPr>
+              <a:t>Fifth Outline Level</a:t>
+            </a:r>
+            <a:endParaRPr lang="en-US" sz="2670" b="0" strike="noStrike" spc="-1">
+              <a:latin typeface="DejaVu Sans"/>
+            </a:endParaRPr>
+          </a:p>
+          <a:p>
+            <a:pPr marL="2592070" lvl="5" indent="-215900">
+              <a:spcBef>
+                <a:spcPts val="375"/>
+              </a:spcBef>
+              <a:buClr>
+                <a:srgbClr val="000000"/>
+              </a:buClr>
+              <a:buSzPct val="45000"/>
+              <a:buFont typeface="Wingdings" panose="05000000000000000000" charset="2"/>
+              <a:buChar char=""/>
+            </a:pPr>
+            <a:r>
+              <a:rPr lang="en-US" sz="2670" b="0" strike="noStrike" spc="-1">
+                <a:latin typeface="DejaVu Sans"/>
+              </a:rPr>
+              <a:t>Sixth Outline Level</a:t>
+            </a:r>
+            <a:endParaRPr lang="en-US" sz="2670" b="0" strike="noStrike" spc="-1">
+              <a:latin typeface="DejaVu Sans"/>
+            </a:endParaRPr>
+          </a:p>
+          <a:p>
+            <a:pPr marL="3023870" lvl="6" indent="-215900">
+              <a:spcBef>
+                <a:spcPts val="375"/>
+              </a:spcBef>
+              <a:buClr>
+                <a:srgbClr val="000000"/>
+              </a:buClr>
+              <a:buSzPct val="45000"/>
+              <a:buFont typeface="Wingdings" panose="05000000000000000000" charset="2"/>
+              <a:buChar char=""/>
+            </a:pPr>
+            <a:r>
+              <a:rPr lang="en-US" sz="2670" b="0" strike="noStrike" spc="-1">
+                <a:latin typeface="DejaVu Sans"/>
+              </a:rPr>
+              <a:t>Seventh Outline Level</a:t>
+            </a:r>
+            <a:endParaRPr lang="en-US" sz="2670" b="0" strike="noStrike" spc="-1">
+              <a:latin typeface="DejaVu Sans"/>
+            </a:endParaRPr>
+          </a:p>
+        </p:txBody>
+      </p:sp>
+      <p:sp>
+        <p:nvSpPr>
+          <p:cNvPr id="3" name="PlaceHolder 3"/>
+          <p:cNvSpPr>
+            <a:spLocks noGrp="1"/>
+          </p:cNvSpPr>
+          <p:nvPr>
+            <p:ph type="dt"/>
+          </p:nvPr>
+        </p:nvSpPr>
+        <p:spPr>
+          <a:xfrm>
+            <a:off x="504000" y="6886800"/>
+            <a:ext cx="2348280" cy="520920"/>
+          </a:xfrm>
+          <a:prstGeom prst="rect">
+            <a:avLst/>
+          </a:prstGeom>
+        </p:spPr>
+        <p:txBody>
+          <a:bodyPr lIns="0" tIns="0" rIns="0" bIns="0"/>
+          <a:p>
+            <a:r>
+              <a:rPr lang="en-US" sz="1400" b="0" strike="noStrike" spc="-1">
+                <a:latin typeface="DejaVu Serif"/>
+              </a:rPr>
+              <a:t>&lt;date/time&gt;</a:t>
+            </a:r>
+            <a:endParaRPr lang="en-US" sz="1400" b="0" strike="noStrike" spc="-1">
+              <a:latin typeface="DejaVu Serif"/>
+            </a:endParaRPr>
+          </a:p>
+        </p:txBody>
+      </p:sp>
+      <p:sp>
+        <p:nvSpPr>
+          <p:cNvPr id="4" name="PlaceHolder 4"/>
+          <p:cNvSpPr>
+            <a:spLocks noGrp="1"/>
+          </p:cNvSpPr>
+          <p:nvPr>
+            <p:ph type="ftr"/>
+          </p:nvPr>
+        </p:nvSpPr>
+        <p:spPr>
+          <a:xfrm>
+            <a:off x="3447360" y="6886800"/>
+            <a:ext cx="3195000" cy="520920"/>
+          </a:xfrm>
+          <a:prstGeom prst="rect">
+            <a:avLst/>
+          </a:prstGeom>
+        </p:spPr>
+        <p:txBody>
+          <a:bodyPr lIns="0" tIns="0" rIns="0" bIns="0"/>
+          <a:p>
+            <a:pPr algn="ctr"/>
+            <a:r>
+              <a:rPr lang="en-US" sz="1400" b="0" strike="noStrike" spc="-1">
+                <a:latin typeface="DejaVu Serif"/>
+              </a:rPr>
+              <a:t>&lt;footer&gt;</a:t>
+            </a:r>
+            <a:endParaRPr lang="en-US" sz="1400" b="0" strike="noStrike" spc="-1">
+              <a:latin typeface="DejaVu Serif"/>
+            </a:endParaRPr>
+          </a:p>
+        </p:txBody>
+      </p:sp>
+      <p:sp>
+        <p:nvSpPr>
+          <p:cNvPr id="5" name="PlaceHolder 5"/>
+          <p:cNvSpPr>
+            <a:spLocks noGrp="1"/>
+          </p:cNvSpPr>
+          <p:nvPr>
+            <p:ph type="sldNum"/>
+          </p:nvPr>
+        </p:nvSpPr>
+        <p:spPr>
+          <a:xfrm>
+            <a:off x="7227360" y="6886800"/>
+            <a:ext cx="2348280" cy="520920"/>
+          </a:xfrm>
+          <a:prstGeom prst="rect">
+            <a:avLst/>
+          </a:prstGeom>
+        </p:spPr>
+        <p:txBody>
+          <a:bodyPr lIns="0" tIns="0" rIns="0" bIns="0"/>
+          <a:p>
+            <a:pPr algn="r"/>
+            <a:fld id="{A8B5E89F-1093-4F84-A866-A8756ED64FC8}" type="slidenum">
+              <a:rPr lang="en-US" sz="1400" b="0" strike="noStrike" spc="-1">
+                <a:latin typeface="DejaVu Serif"/>
+              </a:rPr>
+            </a:fld>
+            <a:endParaRPr lang="en-US" sz="1400" b="0" strike="noStrike" spc="-1">
+              <a:latin typeface="DejaVu Serif"/>
+            </a:endParaRPr>
+          </a:p>
+        </p:txBody>
+      </p:sp>
+    </p:spTree>
+  </p:cSld>
+  <p:clrMap bg1="lt1" tx1="dk1" bg2="lt2" tx2="dk2" accent1="accent1" accent2="accent2" accent3="accent3" accent4="accent4" accent5="accent5" accent6="accent6" hlink="hlink" folHlink="folHlink"/>
+  <p:sldLayoutIdLst>
+    <p:sldLayoutId id="2147483649" r:id="rId1"/>
+    <p:sldLayoutId id="2147483650" r:id="rId2"/>
+    <p:sldLayoutId id="2147483651" r:id="rId3"/>
+    <p:sldLayoutId id="2147483652" r:id="rId4"/>
+    <p:sldLayoutId id="2147483653" r:id="rId5"/>
+    <p:sldLayoutId id="2147483654" r:id="rId6"/>
+    <p:sldLayoutId id="2147483655" r:id="rId7"/>
+    <p:sldLayoutId id="2147483656" r:id="rId8"/>
+    <p:sldLayoutId id="2147483657" r:id="rId9"/>
+    <p:sldLayoutId id="2147483658" r:id="rId10"/>
+    <p:sldLayoutId id="2147483659" r:id="rId11"/>
+    <p:sldLayoutId id="2147483660" r:id="rId12"/>
+  </p:sldLayoutIdLst>
+  <p:txStyles>
+    <p:titleStyle/>
+    <p:bodyStyle/>
+    <p:otherStyle/>
+  </p:txStyles>
+</p:sldMaster>
+</file>
+
+<file path=ppt/slides/slide1.xml><?xml version="1.0" encoding="utf-8"?>
+<p:sld xmlns:a="http://schemas.openxmlformats.org/drawingml/2006/main" xmlns:r="http://schemas.openxmlformats.org/officeDocument/2006/relationships" xmlns:p="http://schemas.openxmlformats.org/presentationml/2006/main">
   <p:cSld>
     <p:spTree>
       <p:nvGrpSpPr>
@@ -1367,350 +1859,85 @@
       </p:grpSpPr>
       <p:sp>
         <p:nvSpPr>
-          <p:cNvPr id="0" name="PlaceHolder 1"/>
-          <p:cNvSpPr>
-            <a:spLocks noGrp="1"/>
-          </p:cNvSpPr>
-          <p:nvPr>
-            <p:ph type="title"/>
-          </p:nvPr>
-        </p:nvSpPr>
-        <p:spPr>
-          <a:xfrm>
-            <a:off x="504000" y="301320"/>
-            <a:ext cx="9071640" cy="1261800"/>
-          </a:xfrm>
-          <a:prstGeom prst="rect">
-            <a:avLst/>
-          </a:prstGeom>
-        </p:spPr>
-        <p:txBody>
-          <a:bodyPr lIns="0" rIns="0" tIns="0" bIns="0" anchor="ctr"/>
+          <p:cNvPr id="41" name="TextShape 1"/>
+          <p:cNvSpPr txBox="1"/>
+          <p:nvPr/>
+        </p:nvSpPr>
+        <p:spPr>
+          <a:xfrm>
+            <a:off x="321310" y="0"/>
+            <a:ext cx="9269730" cy="3754755"/>
+          </a:xfrm>
+          <a:prstGeom prst="rect">
+            <a:avLst/>
+          </a:prstGeom>
+          <a:noFill/>
+          <a:ln>
+            <a:noFill/>
+          </a:ln>
+        </p:spPr>
+        <p:txBody>
+          <a:bodyPr lIns="0" tIns="0" rIns="0" bIns="0" anchor="ctr"/>
           <a:p>
             <a:pPr algn="ctr"/>
             <a:r>
-              <a:rPr b="0" lang="en-US" sz="5870" spc="-1" strike="noStrike">
+              <a:rPr lang="en-US" sz="3200" b="0" strike="noStrike" spc="-1">
                 <a:latin typeface="DejaVu Sans"/>
               </a:rPr>
-              <a:t>Click to edit the title text format</a:t>
+              <a:t>The WAVE Regulatory Complex Links Diverse Receptors to the Actin Cytoskeleton</a:t>
             </a:r>
-            <a:endParaRPr b="0" lang="en-US" sz="5870" spc="-1" strike="noStrike">
-              <a:latin typeface="DejaVu Sans"/>
-            </a:endParaRPr>
-          </a:p>
-        </p:txBody>
-      </p:sp>
-      <p:sp>
-        <p:nvSpPr>
-          <p:cNvPr id="1" name="PlaceHolder 2"/>
-          <p:cNvSpPr>
-            <a:spLocks noGrp="1"/>
-          </p:cNvSpPr>
-          <p:nvPr>
-            <p:ph type="body"/>
-          </p:nvPr>
-        </p:nvSpPr>
-        <p:spPr>
-          <a:xfrm>
-            <a:off x="504000" y="1768680"/>
+            <a:endParaRPr lang="en-US" sz="3200" b="0" strike="noStrike" spc="-1">
+              <a:latin typeface="DejaVu Sans"/>
+            </a:endParaRPr>
+          </a:p>
+        </p:txBody>
+      </p:sp>
+      <p:sp>
+        <p:nvSpPr>
+          <p:cNvPr id="42" name="TextShape 2"/>
+          <p:cNvSpPr txBox="1"/>
+          <p:nvPr/>
+        </p:nvSpPr>
+        <p:spPr>
+          <a:xfrm>
+            <a:off x="321120" y="3780360"/>
             <a:ext cx="9071640" cy="4384440"/>
           </a:xfrm>
           <a:prstGeom prst="rect">
             <a:avLst/>
           </a:prstGeom>
-        </p:spPr>
-        <p:txBody>
-          <a:bodyPr lIns="0" rIns="0" tIns="0" bIns="0">
-            <a:normAutofit/>
-          </a:bodyPr>
-          <a:p>
-            <a:pPr marL="432000" indent="-324000">
-              <a:spcBef>
-                <a:spcPts val="1888"/>
-              </a:spcBef>
-              <a:buClr>
-                <a:srgbClr val="000000"/>
-              </a:buClr>
-              <a:buSzPct val="45000"/>
-              <a:buFont typeface="Wingdings" charset="2"/>
-              <a:buChar char=""/>
-            </a:pPr>
-            <a:r>
-              <a:rPr b="0" lang="en-US" sz="4270" spc="-1" strike="noStrike">
-                <a:latin typeface="DejaVu Sans"/>
-              </a:rPr>
-              <a:t>Click to edit the outline text </a:t>
-            </a:r>
-            <a:r>
-              <a:rPr b="0" lang="en-US" sz="4270" spc="-1" strike="noStrike">
-                <a:latin typeface="DejaVu Sans"/>
-              </a:rPr>
-              <a:t>format</a:t>
-            </a:r>
-            <a:endParaRPr b="0" lang="en-US" sz="4270" spc="-1" strike="noStrike">
-              <a:latin typeface="DejaVu Sans"/>
-            </a:endParaRPr>
-          </a:p>
-          <a:p>
-            <a:pPr lvl="1" marL="864000" indent="-324000">
-              <a:spcBef>
-                <a:spcPts val="1511"/>
-              </a:spcBef>
-              <a:buClr>
-                <a:srgbClr val="000000"/>
-              </a:buClr>
-              <a:buSzPct val="75000"/>
-              <a:buFont typeface="Symbol" charset="2"/>
-              <a:buChar char=""/>
-            </a:pPr>
-            <a:r>
-              <a:rPr b="0" lang="en-US" sz="3730" spc="-1" strike="noStrike">
-                <a:latin typeface="DejaVu Sans"/>
-              </a:rPr>
-              <a:t>Second Outline Level</a:t>
-            </a:r>
-            <a:endParaRPr b="0" lang="en-US" sz="3730" spc="-1" strike="noStrike">
-              <a:latin typeface="DejaVu Sans"/>
-            </a:endParaRPr>
-          </a:p>
-          <a:p>
-            <a:pPr lvl="2" marL="1296000" indent="-288000">
-              <a:spcBef>
-                <a:spcPts val="1134"/>
-              </a:spcBef>
-              <a:buClr>
-                <a:srgbClr val="000000"/>
-              </a:buClr>
-              <a:buSzPct val="45000"/>
-              <a:buFont typeface="Wingdings" charset="2"/>
-              <a:buChar char=""/>
-            </a:pPr>
-            <a:r>
-              <a:rPr b="0" lang="en-US" sz="3200" spc="-1" strike="noStrike">
-                <a:latin typeface="DejaVu Sans"/>
-              </a:rPr>
-              <a:t>Third Outline Level</a:t>
-            </a:r>
-            <a:endParaRPr b="0" lang="en-US" sz="3200" spc="-1" strike="noStrike">
-              <a:latin typeface="DejaVu Sans"/>
-            </a:endParaRPr>
-          </a:p>
-          <a:p>
-            <a:pPr lvl="3" marL="1728000" indent="-216000">
-              <a:spcBef>
-                <a:spcPts val="754"/>
-              </a:spcBef>
-              <a:buClr>
-                <a:srgbClr val="000000"/>
-              </a:buClr>
-              <a:buSzPct val="75000"/>
-              <a:buFont typeface="Symbol" charset="2"/>
-              <a:buChar char=""/>
-            </a:pPr>
-            <a:r>
-              <a:rPr b="0" lang="en-US" sz="2670" spc="-1" strike="noStrike">
-                <a:latin typeface="DejaVu Sans"/>
-              </a:rPr>
-              <a:t>Fourth Outline Level</a:t>
-            </a:r>
-            <a:endParaRPr b="0" lang="en-US" sz="2670" spc="-1" strike="noStrike">
-              <a:latin typeface="DejaVu Sans"/>
-            </a:endParaRPr>
-          </a:p>
-          <a:p>
-            <a:pPr lvl="4" marL="2160000" indent="-216000">
-              <a:spcBef>
-                <a:spcPts val="377"/>
-              </a:spcBef>
-              <a:buClr>
-                <a:srgbClr val="000000"/>
-              </a:buClr>
-              <a:buSzPct val="45000"/>
-              <a:buFont typeface="Wingdings" charset="2"/>
-              <a:buChar char=""/>
-            </a:pPr>
-            <a:r>
-              <a:rPr b="0" lang="en-US" sz="2670" spc="-1" strike="noStrike">
-                <a:latin typeface="DejaVu Sans"/>
-              </a:rPr>
-              <a:t>Fifth Outline Level</a:t>
-            </a:r>
-            <a:endParaRPr b="0" lang="en-US" sz="2670" spc="-1" strike="noStrike">
-              <a:latin typeface="DejaVu Sans"/>
-            </a:endParaRPr>
-          </a:p>
-          <a:p>
-            <a:pPr lvl="5" marL="2592000" indent="-216000">
-              <a:spcBef>
-                <a:spcPts val="377"/>
-              </a:spcBef>
-              <a:buClr>
-                <a:srgbClr val="000000"/>
-              </a:buClr>
-              <a:buSzPct val="45000"/>
-              <a:buFont typeface="Wingdings" charset="2"/>
-              <a:buChar char=""/>
-            </a:pPr>
-            <a:r>
-              <a:rPr b="0" lang="en-US" sz="2670" spc="-1" strike="noStrike">
-                <a:latin typeface="DejaVu Sans"/>
-              </a:rPr>
-              <a:t>Sixth Outline Level</a:t>
-            </a:r>
-            <a:endParaRPr b="0" lang="en-US" sz="2670" spc="-1" strike="noStrike">
-              <a:latin typeface="DejaVu Sans"/>
-            </a:endParaRPr>
-          </a:p>
-          <a:p>
-            <a:pPr lvl="6" marL="3024000" indent="-216000">
-              <a:spcBef>
-                <a:spcPts val="377"/>
-              </a:spcBef>
-              <a:buClr>
-                <a:srgbClr val="000000"/>
-              </a:buClr>
-              <a:buSzPct val="45000"/>
-              <a:buFont typeface="Wingdings" charset="2"/>
-              <a:buChar char=""/>
-            </a:pPr>
-            <a:r>
-              <a:rPr b="0" lang="en-US" sz="2670" spc="-1" strike="noStrike">
-                <a:latin typeface="DejaVu Sans"/>
-              </a:rPr>
-              <a:t>Seventh Outline Level</a:t>
-            </a:r>
-            <a:endParaRPr b="0" lang="en-US" sz="2670" spc="-1" strike="noStrike">
-              <a:latin typeface="DejaVu Sans"/>
-            </a:endParaRPr>
-          </a:p>
-        </p:txBody>
-      </p:sp>
-      <p:sp>
-        <p:nvSpPr>
-          <p:cNvPr id="2" name="PlaceHolder 3"/>
-          <p:cNvSpPr>
-            <a:spLocks noGrp="1"/>
-          </p:cNvSpPr>
-          <p:nvPr>
-            <p:ph type="dt"/>
-          </p:nvPr>
-        </p:nvSpPr>
-        <p:spPr>
-          <a:xfrm>
-            <a:off x="504000" y="6886800"/>
-            <a:ext cx="2348280" cy="520920"/>
-          </a:xfrm>
-          <a:prstGeom prst="rect">
-            <a:avLst/>
-          </a:prstGeom>
-        </p:spPr>
-        <p:txBody>
-          <a:bodyPr lIns="0" rIns="0" tIns="0" bIns="0"/>
-          <a:p>
-            <a:r>
-              <a:rPr b="0" lang="en-US" sz="1400" spc="-1" strike="noStrike">
-                <a:latin typeface="DejaVu Serif"/>
-              </a:rPr>
-              <a:t>&lt;date/time&gt;</a:t>
-            </a:r>
-            <a:endParaRPr b="0" lang="en-US" sz="1400" spc="-1" strike="noStrike">
-              <a:latin typeface="DejaVu Serif"/>
-            </a:endParaRPr>
-          </a:p>
-        </p:txBody>
-      </p:sp>
-      <p:sp>
-        <p:nvSpPr>
-          <p:cNvPr id="3" name="PlaceHolder 4"/>
-          <p:cNvSpPr>
-            <a:spLocks noGrp="1"/>
-          </p:cNvSpPr>
-          <p:nvPr>
-            <p:ph type="ftr"/>
-          </p:nvPr>
-        </p:nvSpPr>
-        <p:spPr>
-          <a:xfrm>
-            <a:off x="3447360" y="6886800"/>
-            <a:ext cx="3195000" cy="520920"/>
-          </a:xfrm>
-          <a:prstGeom prst="rect">
-            <a:avLst/>
-          </a:prstGeom>
-        </p:spPr>
-        <p:txBody>
-          <a:bodyPr lIns="0" rIns="0" tIns="0" bIns="0"/>
+          <a:noFill/>
+          <a:ln>
+            <a:noFill/>
+          </a:ln>
+        </p:spPr>
+        <p:txBody>
+          <a:bodyPr lIns="0" tIns="0" rIns="0" bIns="0" anchor="ctr"/>
           <a:p>
             <a:pPr algn="ctr"/>
-            <a:r>
-              <a:rPr b="0" lang="en-US" sz="1400" spc="-1" strike="noStrike">
-                <a:latin typeface="DejaVu Serif"/>
-              </a:rPr>
-              <a:t>&lt;footer&gt;</a:t>
-            </a:r>
-            <a:endParaRPr b="0" lang="en-US" sz="1400" spc="-1" strike="noStrike">
-              <a:latin typeface="DejaVu Serif"/>
-            </a:endParaRPr>
-          </a:p>
-        </p:txBody>
-      </p:sp>
-      <p:sp>
-        <p:nvSpPr>
-          <p:cNvPr id="4" name="PlaceHolder 5"/>
-          <p:cNvSpPr>
-            <a:spLocks noGrp="1"/>
-          </p:cNvSpPr>
-          <p:nvPr>
-            <p:ph type="sldNum"/>
-          </p:nvPr>
-        </p:nvSpPr>
-        <p:spPr>
-          <a:xfrm>
-            <a:off x="7227360" y="6886800"/>
-            <a:ext cx="2348280" cy="520920"/>
-          </a:xfrm>
-          <a:prstGeom prst="rect">
-            <a:avLst/>
-          </a:prstGeom>
-        </p:spPr>
-        <p:txBody>
-          <a:bodyPr lIns="0" rIns="0" tIns="0" bIns="0"/>
-          <a:p>
-            <a:pPr algn="r"/>
-            <a:fld id="{A8B5E89F-1093-4F84-A866-A8756ED64FC8}" type="slidenum">
-              <a:rPr b="0" lang="en-US" sz="1400" spc="-1" strike="noStrike">
-                <a:latin typeface="DejaVu Serif"/>
-              </a:rPr>
-              <a:t>&lt;number&gt;</a:t>
-            </a:fld>
-            <a:endParaRPr b="0" lang="en-US" sz="1400" spc="-1" strike="noStrike">
-              <a:latin typeface="DejaVu Serif"/>
+            <a:endParaRPr lang="en-US" sz="3200" b="0" strike="noStrike" spc="-1">
+              <a:latin typeface="DejaVu Sans"/>
             </a:endParaRPr>
           </a:p>
         </p:txBody>
       </p:sp>
     </p:spTree>
   </p:cSld>
-  <p:clrMap bg1="lt1" bg2="lt2" tx1="dk1" tx2="dk2" accent1="accent1" accent2="accent2" accent3="accent3" accent4="accent4" accent5="accent5" accent6="accent6" hlink="hlink" folHlink="folHlink"/>
-  <p:sldLayoutIdLst>
-    <p:sldLayoutId id="2147483649" r:id="rId2"/>
-    <p:sldLayoutId id="2147483650" r:id="rId3"/>
-    <p:sldLayoutId id="2147483651" r:id="rId4"/>
-    <p:sldLayoutId id="2147483652" r:id="rId5"/>
-    <p:sldLayoutId id="2147483653" r:id="rId6"/>
-    <p:sldLayoutId id="2147483654" r:id="rId7"/>
-    <p:sldLayoutId id="2147483655" r:id="rId8"/>
-    <p:sldLayoutId id="2147483656" r:id="rId9"/>
-    <p:sldLayoutId id="2147483657" r:id="rId10"/>
-    <p:sldLayoutId id="2147483658" r:id="rId11"/>
-    <p:sldLayoutId id="2147483659" r:id="rId12"/>
-    <p:sldLayoutId id="2147483660" r:id="rId13"/>
-  </p:sldLayoutIdLst>
-</p:sldMaster>
+  <p:clrMapOvr>
+    <a:masterClrMapping/>
+  </p:clrMapOvr>
+  <p:timing>
+    <p:tnLst>
+      <p:par>
+        <p:cTn id="1" dur="indefinite" restart="never" nodeType="tmRoot"/>
+      </p:par>
+    </p:tnLst>
+  </p:timing>
+</p:sld>
 </file>
 
-<file path=ppt/slides/slide1.xml><?xml version="1.0" encoding="utf-8"?>
-<p:sld xmlns:a="http://schemas.openxmlformats.org/drawingml/2006/main" xmlns:p="http://schemas.openxmlformats.org/presentationml/2006/main" xmlns:r="http://schemas.openxmlformats.org/officeDocument/2006/relationships" xmlns:p14="http://schemas.microsoft.com/office/powerpoint/2010/main" xmlns:p15="http://schemas.microsoft.com/office/powerpoint/2012/main" xmlns:mc="http://schemas.openxmlformats.org/markup-compatibility/2006">
+<file path=ppt/slides/slide2.xml><?xml version="1.0" encoding="utf-8"?>
+<p:sld xmlns:a="http://schemas.openxmlformats.org/drawingml/2006/main" xmlns:r="http://schemas.openxmlformats.org/officeDocument/2006/relationships" xmlns:p="http://schemas.openxmlformats.org/presentationml/2006/main">
   <p:cSld>
     <p:spTree>
       <p:nvGrpSpPr>
@@ -1728,14 +1955,14 @@
       </p:grpSpPr>
       <p:sp>
         <p:nvSpPr>
-          <p:cNvPr id="41" name="TextShape 1"/>
+          <p:cNvPr id="43" name="TextShape 1"/>
           <p:cNvSpPr txBox="1"/>
           <p:nvPr/>
         </p:nvSpPr>
         <p:spPr>
           <a:xfrm>
-            <a:off x="504000" y="-398160"/>
-            <a:ext cx="9071640" cy="4625640"/>
+            <a:off x="504000" y="64800"/>
+            <a:ext cx="9071640" cy="1734840"/>
           </a:xfrm>
           <a:prstGeom prst="rect">
             <a:avLst/>
@@ -1746,24 +1973,24 @@
           </a:ln>
         </p:spPr>
         <p:txBody>
-          <a:bodyPr lIns="0" rIns="0" tIns="0" bIns="0" anchor="ctr"/>
+          <a:bodyPr lIns="0" tIns="0" rIns="0" bIns="0" anchor="ctr"/>
           <a:p>
             <a:pPr algn="ctr"/>
             <a:r>
-              <a:rPr b="0" lang="en-US" sz="5870" spc="-1" strike="noStrike">
+              <a:rPr lang="en-US" sz="3200" b="0" strike="noStrike" spc="-1">
                 <a:latin typeface="DejaVu Sans"/>
               </a:rPr>
-              <a:t>The WAVE Regulatory Complex Links Diverse Receptors to the Actin Cytoskeleton</a:t>
+              <a:t>Background and Introduction</a:t>
             </a:r>
-            <a:endParaRPr b="0" lang="en-US" sz="5870" spc="-1" strike="noStrike">
-              <a:latin typeface="DejaVu Sans"/>
-            </a:endParaRPr>
-          </a:p>
-        </p:txBody>
-      </p:sp>
-      <p:sp>
-        <p:nvSpPr>
-          <p:cNvPr id="42" name="TextShape 2"/>
+            <a:endParaRPr lang="en-US" sz="3200" b="0" strike="noStrike" spc="-1">
+              <a:latin typeface="DejaVu Sans"/>
+            </a:endParaRPr>
+          </a:p>
+        </p:txBody>
+      </p:sp>
+      <p:sp>
+        <p:nvSpPr>
+          <p:cNvPr id="44" name="TextShape 2"/>
           <p:cNvSpPr txBox="1"/>
           <p:nvPr/>
         </p:nvSpPr>
@@ -1781,10 +2008,11 @@
           </a:ln>
         </p:spPr>
         <p:txBody>
-          <a:bodyPr lIns="0" rIns="0" tIns="0" bIns="0" anchor="ctr"/>
-          <a:p>
-            <a:pPr algn="ctr"/>
-            <a:endParaRPr b="0" lang="en-US" sz="3200" spc="-1" strike="noStrike">
+          <a:bodyPr lIns="0" tIns="0" rIns="0" bIns="0">
+            <a:normAutofit/>
+          </a:bodyPr>
+          <a:p>
+            <a:endParaRPr lang="en-US" sz="4270" b="0" strike="noStrike" spc="-1">
               <a:latin typeface="DejaVu Sans"/>
             </a:endParaRPr>
           </a:p>
@@ -1792,38 +2020,21 @@
       </p:sp>
     </p:spTree>
   </p:cSld>
+  <p:clrMapOvr>
+    <a:masterClrMapping/>
+  </p:clrMapOvr>
   <p:timing>
     <p:tnLst>
       <p:par>
-        <p:cTn id="1" dur="indefinite" restart="never" nodeType="tmRoot">
-          <p:childTnLst>
-            <p:seq>
-              <p:cTn id="2" dur="indefinite" nodeType="mainSeq"/>
-              <p:prevCondLst>
-                <p:cond delay="0" evt="onPrev">
-                  <p:tgtEl>
-                    <p:sldTgt/>
-                  </p:tgtEl>
-                </p:cond>
-              </p:prevCondLst>
-              <p:nextCondLst>
-                <p:cond delay="0" evt="onNext">
-                  <p:tgtEl>
-                    <p:sldTgt/>
-                  </p:tgtEl>
-                </p:cond>
-              </p:nextCondLst>
-            </p:seq>
-          </p:childTnLst>
-        </p:cTn>
+        <p:cTn id="1" dur="indefinite" restart="never" nodeType="tmRoot"/>
       </p:par>
     </p:tnLst>
   </p:timing>
 </p:sld>
 </file>
 
-<file path=ppt/slides/slide2.xml><?xml version="1.0" encoding="utf-8"?>
-<p:sld xmlns:a="http://schemas.openxmlformats.org/drawingml/2006/main" xmlns:p="http://schemas.openxmlformats.org/presentationml/2006/main" xmlns:r="http://schemas.openxmlformats.org/officeDocument/2006/relationships" xmlns:p14="http://schemas.microsoft.com/office/powerpoint/2010/main" xmlns:p15="http://schemas.microsoft.com/office/powerpoint/2012/main" xmlns:mc="http://schemas.openxmlformats.org/markup-compatibility/2006">
+<file path=ppt/slides/slide3.xml><?xml version="1.0" encoding="utf-8"?>
+<p:sld xmlns:a="http://schemas.openxmlformats.org/drawingml/2006/main" xmlns:r="http://schemas.openxmlformats.org/officeDocument/2006/relationships" xmlns:p="http://schemas.openxmlformats.org/presentationml/2006/main">
   <p:cSld>
     <p:spTree>
       <p:nvGrpSpPr>
@@ -1841,14 +2052,14 @@
       </p:grpSpPr>
       <p:sp>
         <p:nvSpPr>
-          <p:cNvPr id="43" name="TextShape 1"/>
+          <p:cNvPr id="45" name="TextShape 1"/>
           <p:cNvSpPr txBox="1"/>
           <p:nvPr/>
         </p:nvSpPr>
         <p:spPr>
           <a:xfrm>
-            <a:off x="504000" y="64800"/>
-            <a:ext cx="9071640" cy="1734840"/>
+            <a:off x="504000" y="300240"/>
+            <a:ext cx="9071640" cy="1261800"/>
           </a:xfrm>
           <a:prstGeom prst="rect">
             <a:avLst/>
@@ -1859,46 +2070,16 @@
           </a:ln>
         </p:spPr>
         <p:txBody>
-          <a:bodyPr lIns="0" rIns="0" tIns="0" bIns="0" anchor="ctr"/>
+          <a:bodyPr lIns="0" tIns="0" rIns="0" bIns="0" anchor="ctr"/>
           <a:p>
             <a:pPr algn="ctr"/>
             <a:r>
-              <a:rPr b="0" lang="en-US" sz="5870" spc="-1" strike="noStrike">
+              <a:rPr lang="en-US" sz="4000" b="0" strike="noStrike" spc="-1">
                 <a:latin typeface="DejaVu Sans"/>
               </a:rPr>
-              <a:t>Background and Introduction</a:t>
+              <a:t>Whether and WhereWRC bind to c                                                                                                                                                                                                                                                                                                              onserved peptide motif</a:t>
             </a:r>
-            <a:endParaRPr b="0" lang="en-US" sz="5870" spc="-1" strike="noStrike">
-              <a:latin typeface="DejaVu Sans"/>
-            </a:endParaRPr>
-          </a:p>
-        </p:txBody>
-      </p:sp>
-      <p:sp>
-        <p:nvSpPr>
-          <p:cNvPr id="44" name="TextShape 2"/>
-          <p:cNvSpPr txBox="1"/>
-          <p:nvPr/>
-        </p:nvSpPr>
-        <p:spPr>
-          <a:xfrm>
-            <a:off x="504000" y="1768680"/>
-            <a:ext cx="9071640" cy="4384440"/>
-          </a:xfrm>
-          <a:prstGeom prst="rect">
-            <a:avLst/>
-          </a:prstGeom>
-          <a:noFill/>
-          <a:ln>
-            <a:noFill/>
-          </a:ln>
-        </p:spPr>
-        <p:txBody>
-          <a:bodyPr lIns="0" rIns="0" tIns="0" bIns="0">
-            <a:normAutofit/>
-          </a:bodyPr>
-          <a:p>
-            <a:endParaRPr b="0" lang="en-US" sz="4270" spc="-1" strike="noStrike">
+            <a:endParaRPr lang="en-US" sz="4000" b="0" strike="noStrike" spc="-1">
               <a:latin typeface="DejaVu Sans"/>
             </a:endParaRPr>
           </a:p>
@@ -1906,38 +2087,21 @@
       </p:sp>
     </p:spTree>
   </p:cSld>
+  <p:clrMapOvr>
+    <a:masterClrMapping/>
+  </p:clrMapOvr>
   <p:timing>
     <p:tnLst>
       <p:par>
-        <p:cTn id="3" dur="indefinite" restart="never" nodeType="tmRoot">
-          <p:childTnLst>
-            <p:seq>
-              <p:cTn id="4" dur="indefinite" nodeType="mainSeq"/>
-              <p:prevCondLst>
-                <p:cond delay="0" evt="onPrev">
-                  <p:tgtEl>
-                    <p:sldTgt/>
-                  </p:tgtEl>
-                </p:cond>
-              </p:prevCondLst>
-              <p:nextCondLst>
-                <p:cond delay="0" evt="onNext">
-                  <p:tgtEl>
-                    <p:sldTgt/>
-                  </p:tgtEl>
-                </p:cond>
-              </p:nextCondLst>
-            </p:seq>
-          </p:childTnLst>
-        </p:cTn>
+        <p:cTn id="1" dur="indefinite" restart="never" nodeType="tmRoot"/>
       </p:par>
     </p:tnLst>
   </p:timing>
 </p:sld>
 </file>
 
-<file path=ppt/slides/slide3.xml><?xml version="1.0" encoding="utf-8"?>
-<p:sld xmlns:a="http://schemas.openxmlformats.org/drawingml/2006/main" xmlns:p="http://schemas.openxmlformats.org/presentationml/2006/main" xmlns:r="http://schemas.openxmlformats.org/officeDocument/2006/relationships" xmlns:p14="http://schemas.microsoft.com/office/powerpoint/2010/main" xmlns:p15="http://schemas.microsoft.com/office/powerpoint/2012/main" xmlns:mc="http://schemas.openxmlformats.org/markup-compatibility/2006">
+<file path=ppt/slides/slide4.xml><?xml version="1.0" encoding="utf-8"?>
+<p:sld xmlns:a="http://schemas.openxmlformats.org/drawingml/2006/main" xmlns:r="http://schemas.openxmlformats.org/officeDocument/2006/relationships" xmlns:p="http://schemas.openxmlformats.org/presentationml/2006/main">
   <p:cSld>
     <p:spTree>
       <p:nvGrpSpPr>
@@ -1955,14 +2119,14 @@
       </p:grpSpPr>
       <p:sp>
         <p:nvSpPr>
-          <p:cNvPr id="45" name="TextShape 1"/>
+          <p:cNvPr id="46" name="TextShape 1"/>
           <p:cNvSpPr txBox="1"/>
           <p:nvPr/>
         </p:nvSpPr>
         <p:spPr>
           <a:xfrm>
-            <a:off x="504000" y="300240"/>
-            <a:ext cx="9071640" cy="1261800"/>
+            <a:off x="504000" y="64800"/>
+            <a:ext cx="9071640" cy="1734840"/>
           </a:xfrm>
           <a:prstGeom prst="rect">
             <a:avLst/>
@@ -1973,16 +2137,46 @@
           </a:ln>
         </p:spPr>
         <p:txBody>
-          <a:bodyPr lIns="0" rIns="0" tIns="0" bIns="0" anchor="ctr"/>
+          <a:bodyPr lIns="0" tIns="0" rIns="0" bIns="0" anchor="ctr"/>
           <a:p>
             <a:pPr algn="ctr"/>
             <a:r>
-              <a:rPr b="0" lang="en-US" sz="4000" spc="-1" strike="noStrike">
+              <a:rPr lang="en-US" sz="5870" b="0" strike="noStrike" spc="-1">
                 <a:latin typeface="DejaVu Sans"/>
               </a:rPr>
-              <a:t>Whether and WhereWRC bind to conserved peptide motif</a:t>
+              <a:t>How the WIRS motif binds to the WRC</a:t>
             </a:r>
-            <a:endParaRPr b="0" lang="en-US" sz="4000" spc="-1" strike="noStrike">
+            <a:endParaRPr lang="en-US" sz="5870" b="0" strike="noStrike" spc="-1">
+              <a:latin typeface="DejaVu Sans"/>
+            </a:endParaRPr>
+          </a:p>
+        </p:txBody>
+      </p:sp>
+      <p:sp>
+        <p:nvSpPr>
+          <p:cNvPr id="47" name="TextShape 2"/>
+          <p:cNvSpPr txBox="1"/>
+          <p:nvPr/>
+        </p:nvSpPr>
+        <p:spPr>
+          <a:xfrm>
+            <a:off x="504000" y="1768680"/>
+            <a:ext cx="9071640" cy="4384440"/>
+          </a:xfrm>
+          <a:prstGeom prst="rect">
+            <a:avLst/>
+          </a:prstGeom>
+          <a:noFill/>
+          <a:ln>
+            <a:noFill/>
+          </a:ln>
+        </p:spPr>
+        <p:txBody>
+          <a:bodyPr lIns="0" tIns="0" rIns="0" bIns="0">
+            <a:normAutofit/>
+          </a:bodyPr>
+          <a:p>
+            <a:endParaRPr lang="en-US" sz="4270" b="0" strike="noStrike" spc="-1">
               <a:latin typeface="DejaVu Sans"/>
             </a:endParaRPr>
           </a:p>
@@ -1990,38 +2184,21 @@
       </p:sp>
     </p:spTree>
   </p:cSld>
+  <p:clrMapOvr>
+    <a:masterClrMapping/>
+  </p:clrMapOvr>
   <p:timing>
     <p:tnLst>
       <p:par>
-        <p:cTn id="5" dur="indefinite" restart="never" nodeType="tmRoot">
-          <p:childTnLst>
-            <p:seq>
-              <p:cTn id="6" dur="indefinite" nodeType="mainSeq"/>
-              <p:prevCondLst>
-                <p:cond delay="0" evt="onPrev">
-                  <p:tgtEl>
-                    <p:sldTgt/>
-                  </p:tgtEl>
-                </p:cond>
-              </p:prevCondLst>
-              <p:nextCondLst>
-                <p:cond delay="0" evt="onNext">
-                  <p:tgtEl>
-                    <p:sldTgt/>
-                  </p:tgtEl>
-                </p:cond>
-              </p:nextCondLst>
-            </p:seq>
-          </p:childTnLst>
-        </p:cTn>
+        <p:cTn id="1" dur="indefinite" restart="never" nodeType="tmRoot"/>
       </p:par>
     </p:tnLst>
   </p:timing>
 </p:sld>
 </file>
 
-<file path=ppt/slides/slide4.xml><?xml version="1.0" encoding="utf-8"?>
-<p:sld xmlns:a="http://schemas.openxmlformats.org/drawingml/2006/main" xmlns:p="http://schemas.openxmlformats.org/presentationml/2006/main" xmlns:r="http://schemas.openxmlformats.org/officeDocument/2006/relationships" xmlns:p14="http://schemas.microsoft.com/office/powerpoint/2010/main" xmlns:p15="http://schemas.microsoft.com/office/powerpoint/2012/main" xmlns:mc="http://schemas.openxmlformats.org/markup-compatibility/2006">
+<file path=ppt/slides/slide5.xml><?xml version="1.0" encoding="utf-8"?>
+<p:sld xmlns:a="http://schemas.openxmlformats.org/drawingml/2006/main" xmlns:r="http://schemas.openxmlformats.org/officeDocument/2006/relationships" xmlns:p="http://schemas.openxmlformats.org/presentationml/2006/main">
   <p:cSld>
     <p:spTree>
       <p:nvGrpSpPr>
@@ -2039,14 +2216,14 @@
       </p:grpSpPr>
       <p:sp>
         <p:nvSpPr>
-          <p:cNvPr id="46" name="TextShape 1"/>
+          <p:cNvPr id="48" name="TextShape 1"/>
           <p:cNvSpPr txBox="1"/>
           <p:nvPr/>
         </p:nvSpPr>
         <p:spPr>
           <a:xfrm>
-            <a:off x="504000" y="64800"/>
-            <a:ext cx="9071640" cy="1734840"/>
+            <a:off x="504000" y="301320"/>
+            <a:ext cx="9071640" cy="1261800"/>
           </a:xfrm>
           <a:prstGeom prst="rect">
             <a:avLst/>
@@ -2057,24 +2234,18 @@
           </a:ln>
         </p:spPr>
         <p:txBody>
-          <a:bodyPr lIns="0" rIns="0" tIns="0" bIns="0" anchor="ctr"/>
+          <a:bodyPr lIns="0" tIns="0" rIns="0" bIns="0" anchor="ctr"/>
           <a:p>
             <a:pPr algn="ctr"/>
-            <a:r>
-              <a:rPr b="0" lang="en-US" sz="5870" spc="-1" strike="noStrike">
-                <a:latin typeface="DejaVu Sans"/>
-              </a:rPr>
-              <a:t>How the WIRS motif binds to the WRC</a:t>
-            </a:r>
-            <a:endParaRPr b="0" lang="en-US" sz="5870" spc="-1" strike="noStrike">
-              <a:latin typeface="DejaVu Sans"/>
-            </a:endParaRPr>
-          </a:p>
-        </p:txBody>
-      </p:sp>
-      <p:sp>
-        <p:nvSpPr>
-          <p:cNvPr id="47" name="TextShape 2"/>
+            <a:endParaRPr lang="en-US" sz="5870" b="0" strike="noStrike" spc="-1">
+              <a:latin typeface="DejaVu Sans"/>
+            </a:endParaRPr>
+          </a:p>
+        </p:txBody>
+      </p:sp>
+      <p:sp>
+        <p:nvSpPr>
+          <p:cNvPr id="49" name="TextShape 2"/>
           <p:cNvSpPr txBox="1"/>
           <p:nvPr/>
         </p:nvSpPr>
@@ -2092,11 +2263,11 @@
           </a:ln>
         </p:spPr>
         <p:txBody>
-          <a:bodyPr lIns="0" rIns="0" tIns="0" bIns="0">
-            <a:normAutofit/>
-          </a:bodyPr>
-          <a:p>
-            <a:endParaRPr b="0" lang="en-US" sz="4270" spc="-1" strike="noStrike">
+          <a:bodyPr lIns="0" tIns="0" rIns="0" bIns="0">
+            <a:normAutofit/>
+          </a:bodyPr>
+          <a:p>
+            <a:endParaRPr lang="en-US" sz="4270" b="0" strike="noStrike" spc="-1">
               <a:latin typeface="DejaVu Sans"/>
             </a:endParaRPr>
           </a:p>
@@ -2104,138 +2275,13 @@
       </p:sp>
     </p:spTree>
   </p:cSld>
+  <p:clrMapOvr>
+    <a:masterClrMapping/>
+  </p:clrMapOvr>
   <p:timing>
     <p:tnLst>
       <p:par>
-        <p:cTn id="7" dur="indefinite" restart="never" nodeType="tmRoot">
-          <p:childTnLst>
-            <p:seq>
-              <p:cTn id="8" dur="indefinite" nodeType="mainSeq"/>
-              <p:prevCondLst>
-                <p:cond delay="0" evt="onPrev">
-                  <p:tgtEl>
-                    <p:sldTgt/>
-                  </p:tgtEl>
-                </p:cond>
-              </p:prevCondLst>
-              <p:nextCondLst>
-                <p:cond delay="0" evt="onNext">
-                  <p:tgtEl>
-                    <p:sldTgt/>
-                  </p:tgtEl>
-                </p:cond>
-              </p:nextCondLst>
-            </p:seq>
-          </p:childTnLst>
-        </p:cTn>
-      </p:par>
-    </p:tnLst>
-  </p:timing>
-</p:sld>
-</file>
-
-<file path=ppt/slides/slide5.xml><?xml version="1.0" encoding="utf-8"?>
-<p:sld xmlns:a="http://schemas.openxmlformats.org/drawingml/2006/main" xmlns:p="http://schemas.openxmlformats.org/presentationml/2006/main" xmlns:r="http://schemas.openxmlformats.org/officeDocument/2006/relationships" xmlns:p14="http://schemas.microsoft.com/office/powerpoint/2010/main" xmlns:p15="http://schemas.microsoft.com/office/powerpoint/2012/main" xmlns:mc="http://schemas.openxmlformats.org/markup-compatibility/2006">
-  <p:cSld>
-    <p:spTree>
-      <p:nvGrpSpPr>
-        <p:cNvPr id="1" name=""/>
-        <p:cNvGrpSpPr/>
-        <p:nvPr/>
-      </p:nvGrpSpPr>
-      <p:grpSpPr>
-        <a:xfrm>
-          <a:off x="0" y="0"/>
-          <a:ext cx="0" cy="0"/>
-          <a:chOff x="0" y="0"/>
-          <a:chExt cx="0" cy="0"/>
-        </a:xfrm>
-      </p:grpSpPr>
-      <p:sp>
-        <p:nvSpPr>
-          <p:cNvPr id="48" name="TextShape 1"/>
-          <p:cNvSpPr txBox="1"/>
-          <p:nvPr/>
-        </p:nvSpPr>
-        <p:spPr>
-          <a:xfrm>
-            <a:off x="504000" y="301320"/>
-            <a:ext cx="9071640" cy="1261800"/>
-          </a:xfrm>
-          <a:prstGeom prst="rect">
-            <a:avLst/>
-          </a:prstGeom>
-          <a:noFill/>
-          <a:ln>
-            <a:noFill/>
-          </a:ln>
-        </p:spPr>
-        <p:txBody>
-          <a:bodyPr lIns="0" rIns="0" tIns="0" bIns="0" anchor="ctr"/>
-          <a:p>
-            <a:pPr algn="ctr"/>
-            <a:endParaRPr b="0" lang="en-US" sz="5870" spc="-1" strike="noStrike">
-              <a:latin typeface="DejaVu Sans"/>
-            </a:endParaRPr>
-          </a:p>
-        </p:txBody>
-      </p:sp>
-      <p:sp>
-        <p:nvSpPr>
-          <p:cNvPr id="49" name="TextShape 2"/>
-          <p:cNvSpPr txBox="1"/>
-          <p:nvPr/>
-        </p:nvSpPr>
-        <p:spPr>
-          <a:xfrm>
-            <a:off x="504000" y="1768680"/>
-            <a:ext cx="9071640" cy="4384440"/>
-          </a:xfrm>
-          <a:prstGeom prst="rect">
-            <a:avLst/>
-          </a:prstGeom>
-          <a:noFill/>
-          <a:ln>
-            <a:noFill/>
-          </a:ln>
-        </p:spPr>
-        <p:txBody>
-          <a:bodyPr lIns="0" rIns="0" tIns="0" bIns="0">
-            <a:normAutofit/>
-          </a:bodyPr>
-          <a:p>
-            <a:endParaRPr b="0" lang="en-US" sz="4270" spc="-1" strike="noStrike">
-              <a:latin typeface="DejaVu Sans"/>
-            </a:endParaRPr>
-          </a:p>
-        </p:txBody>
-      </p:sp>
-    </p:spTree>
-  </p:cSld>
-  <p:timing>
-    <p:tnLst>
-      <p:par>
-        <p:cTn id="9" dur="indefinite" restart="never" nodeType="tmRoot">
-          <p:childTnLst>
-            <p:seq>
-              <p:cTn id="10" dur="indefinite" nodeType="mainSeq"/>
-              <p:prevCondLst>
-                <p:cond delay="0" evt="onPrev">
-                  <p:tgtEl>
-                    <p:sldTgt/>
-                  </p:tgtEl>
-                </p:cond>
-              </p:prevCondLst>
-              <p:nextCondLst>
-                <p:cond delay="0" evt="onNext">
-                  <p:tgtEl>
-                    <p:sldTgt/>
-                  </p:tgtEl>
-                </p:cond>
-              </p:nextCondLst>
-            </p:seq>
-          </p:childTnLst>
-        </p:cTn>
+        <p:cTn id="1" dur="indefinite" restart="never" nodeType="tmRoot"/>
       </p:par>
     </p:tnLst>
   </p:timing>
@@ -2253,31 +2299,31 @@
         <a:sysClr val="window" lastClr="FFFFFF"/>
       </a:lt1>
       <a:dk2>
-        <a:srgbClr val="1f497d"/>
+        <a:srgbClr val="1F497D"/>
       </a:dk2>
       <a:lt2>
-        <a:srgbClr val="eeece1"/>
+        <a:srgbClr val="EEECE1"/>
       </a:lt2>
       <a:accent1>
-        <a:srgbClr val="4f81bd"/>
+        <a:srgbClr val="4F81BD"/>
       </a:accent1>
       <a:accent2>
-        <a:srgbClr val="c0504d"/>
+        <a:srgbClr val="C0504D"/>
       </a:accent2>
       <a:accent3>
-        <a:srgbClr val="9bbb59"/>
+        <a:srgbClr val="9BBB59"/>
       </a:accent3>
       <a:accent4>
-        <a:srgbClr val="8064a2"/>
+        <a:srgbClr val="8064A2"/>
       </a:accent4>
       <a:accent5>
-        <a:srgbClr val="4bacc6"/>
+        <a:srgbClr val="4BACC6"/>
       </a:accent5>
       <a:accent6>
-        <a:srgbClr val="f79646"/>
+        <a:srgbClr val="F79646"/>
       </a:accent6>
       <a:hlink>
-        <a:srgbClr val="0000ff"/>
+        <a:srgbClr val="0000FF"/>
       </a:hlink>
       <a:folHlink>
         <a:srgbClr val="800080"/>
@@ -2462,5 +2508,12 @@
       </a:bgFillStyleLst>
     </a:fmtScheme>
   </a:themeElements>
+  <a:objectDefaults/>
+  <a:extraClrSchemeLst/>
+  <a:extLst>
+    <a:ext uri="{05A4C25C-085E-4340-85A3-A5531E510DB2}">
+      <thm15:themeFamily xmlns:thm15="http://schemas.microsoft.com/office/thememl/2012/main" name="Office Theme" id="{62F939B6-93AF-4DB8-9C6B-D6C7DFDC589F}" vid="{4A3C46E8-61CC-4603-A589-7422A47A8E4A}"/>
+    </a:ext>
+  </a:extLst>
 </a:theme>
 </file>